--- a/presentation/NC Growth.pptx
+++ b/presentation/NC Growth.pptx
@@ -4098,8 +4098,21 @@
                   <a:schemeClr val="bg1"/>
                 </a:solidFill>
               </a:rPr>
-              <a:t>Quality of Life - Education</a:t>
-            </a:r>
+              <a:t>Quality of Life </a:t>
+            </a:r>
+            <a:r>
+              <a:rPr lang="en-US">
+                <a:solidFill>
+                  <a:schemeClr val="bg1"/>
+                </a:solidFill>
+              </a:rPr>
+              <a:t>- Crime</a:t>
+            </a:r>
+            <a:endParaRPr lang="en-US" dirty="0">
+              <a:solidFill>
+                <a:schemeClr val="bg1"/>
+              </a:solidFill>
+            </a:endParaRPr>
           </a:p>
         </p:txBody>
       </p:sp>

--- a/presentation/NC Growth.pptx
+++ b/presentation/NC Growth.pptx
@@ -5,7 +5,7 @@
     <p:sldMasterId id="2147483792" r:id="rId1"/>
   </p:sldMasterIdLst>
   <p:notesMasterIdLst>
-    <p:notesMasterId r:id="rId13"/>
+    <p:notesMasterId r:id="rId14"/>
   </p:notesMasterIdLst>
   <p:sldIdLst>
     <p:sldId id="256" r:id="rId2"/>
@@ -18,7 +18,8 @@
     <p:sldId id="278" r:id="rId9"/>
     <p:sldId id="279" r:id="rId10"/>
     <p:sldId id="280" r:id="rId11"/>
-    <p:sldId id="264" r:id="rId12"/>
+    <p:sldId id="281" r:id="rId12"/>
+    <p:sldId id="264" r:id="rId13"/>
   </p:sldIdLst>
   <p:sldSz cx="12192000" cy="6858000"/>
   <p:notesSz cx="6858000" cy="9144000"/>
@@ -207,7 +208,7 @@
           <a:p>
             <a:fld id="{CECC4D60-9EE3-42B2-99BE-2D796BAC39BF}" type="datetimeFigureOut">
               <a:rPr lang="en-US" smtClean="0"/>
-              <a:t>1/10/2020</a:t>
+              <a:t>1/18/2020</a:t>
             </a:fld>
             <a:endParaRPr lang="en-US"/>
           </a:p>
@@ -816,7 +817,7 @@
           <a:p>
             <a:fld id="{7736F1F6-4F4C-493F-8DC4-612848D97E6E}" type="datetimeFigureOut">
               <a:rPr lang="en-CA" smtClean="0"/>
-              <a:t>2020-01-10</a:t>
+              <a:t>2020-01-18</a:t>
             </a:fld>
             <a:endParaRPr lang="en-CA"/>
           </a:p>
@@ -1044,7 +1045,7 @@
           <a:p>
             <a:fld id="{7736F1F6-4F4C-493F-8DC4-612848D97E6E}" type="datetimeFigureOut">
               <a:rPr lang="en-CA" smtClean="0"/>
-              <a:t>2020-01-10</a:t>
+              <a:t>2020-01-18</a:t>
             </a:fld>
             <a:endParaRPr lang="en-CA"/>
           </a:p>
@@ -1224,7 +1225,7 @@
           <a:p>
             <a:fld id="{7736F1F6-4F4C-493F-8DC4-612848D97E6E}" type="datetimeFigureOut">
               <a:rPr lang="en-CA" smtClean="0"/>
-              <a:t>2020-01-10</a:t>
+              <a:t>2020-01-18</a:t>
             </a:fld>
             <a:endParaRPr lang="en-CA"/>
           </a:p>
@@ -1394,7 +1395,7 @@
           <a:p>
             <a:fld id="{7736F1F6-4F4C-493F-8DC4-612848D97E6E}" type="datetimeFigureOut">
               <a:rPr lang="en-CA" smtClean="0"/>
-              <a:t>2020-01-10</a:t>
+              <a:t>2020-01-18</a:t>
             </a:fld>
             <a:endParaRPr lang="en-CA"/>
           </a:p>
@@ -1648,7 +1649,7 @@
           <a:p>
             <a:fld id="{7736F1F6-4F4C-493F-8DC4-612848D97E6E}" type="datetimeFigureOut">
               <a:rPr lang="en-CA" smtClean="0"/>
-              <a:t>2020-01-10</a:t>
+              <a:t>2020-01-18</a:t>
             </a:fld>
             <a:endParaRPr lang="en-CA"/>
           </a:p>
@@ -1974,7 +1975,7 @@
           <a:p>
             <a:fld id="{7736F1F6-4F4C-493F-8DC4-612848D97E6E}" type="datetimeFigureOut">
               <a:rPr lang="en-CA" smtClean="0"/>
-              <a:t>2020-01-10</a:t>
+              <a:t>2020-01-18</a:t>
             </a:fld>
             <a:endParaRPr lang="en-CA"/>
           </a:p>
@@ -2425,7 +2426,7 @@
           <a:p>
             <a:fld id="{7736F1F6-4F4C-493F-8DC4-612848D97E6E}" type="datetimeFigureOut">
               <a:rPr lang="en-CA" smtClean="0"/>
-              <a:t>2020-01-10</a:t>
+              <a:t>2020-01-18</a:t>
             </a:fld>
             <a:endParaRPr lang="en-CA"/>
           </a:p>
@@ -2543,7 +2544,7 @@
           <a:p>
             <a:fld id="{7736F1F6-4F4C-493F-8DC4-612848D97E6E}" type="datetimeFigureOut">
               <a:rPr lang="en-CA" smtClean="0"/>
-              <a:t>2020-01-10</a:t>
+              <a:t>2020-01-18</a:t>
             </a:fld>
             <a:endParaRPr lang="en-CA"/>
           </a:p>
@@ -2638,7 +2639,7 @@
           <a:p>
             <a:fld id="{7736F1F6-4F4C-493F-8DC4-612848D97E6E}" type="datetimeFigureOut">
               <a:rPr lang="en-CA" smtClean="0"/>
-              <a:t>2020-01-10</a:t>
+              <a:t>2020-01-18</a:t>
             </a:fld>
             <a:endParaRPr lang="en-CA"/>
           </a:p>
@@ -2925,7 +2926,7 @@
           <a:p>
             <a:fld id="{7736F1F6-4F4C-493F-8DC4-612848D97E6E}" type="datetimeFigureOut">
               <a:rPr lang="en-CA" smtClean="0"/>
-              <a:t>2020-01-10</a:t>
+              <a:t>2020-01-18</a:t>
             </a:fld>
             <a:endParaRPr lang="en-CA"/>
           </a:p>
@@ -3247,7 +3248,7 @@
           <a:p>
             <a:fld id="{7736F1F6-4F4C-493F-8DC4-612848D97E6E}" type="datetimeFigureOut">
               <a:rPr lang="en-CA" smtClean="0"/>
-              <a:t>2020-01-10</a:t>
+              <a:t>2020-01-18</a:t>
             </a:fld>
             <a:endParaRPr lang="en-CA"/>
           </a:p>
@@ -3501,7 +3502,7 @@
           <a:p>
             <a:fld id="{7736F1F6-4F4C-493F-8DC4-612848D97E6E}" type="datetimeFigureOut">
               <a:rPr lang="en-CA" smtClean="0"/>
-              <a:t>2020-01-10</a:t>
+              <a:t>2020-01-18</a:t>
             </a:fld>
             <a:endParaRPr lang="en-CA"/>
           </a:p>
@@ -4089,7 +4090,9 @@
           </a:solidFill>
         </p:spPr>
         <p:txBody>
-          <a:bodyPr/>
+          <a:bodyPr>
+            <a:normAutofit fontScale="90000"/>
+          </a:bodyPr>
           <a:lstStyle/>
           <a:p>
             <a:r>
@@ -4098,30 +4101,17 @@
                   <a:schemeClr val="bg1"/>
                 </a:solidFill>
               </a:rPr>
-              <a:t>Quality of Life </a:t>
-            </a:r>
-            <a:r>
-              <a:rPr lang="en-US">
-                <a:solidFill>
-                  <a:schemeClr val="bg1"/>
-                </a:solidFill>
-              </a:rPr>
-              <a:t>- Crime</a:t>
-            </a:r>
-            <a:endParaRPr lang="en-US" dirty="0">
-              <a:solidFill>
-                <a:schemeClr val="bg1"/>
-              </a:solidFill>
-            </a:endParaRPr>
+              <a:t>Public / Non Public School Enrollment</a:t>
+            </a:r>
           </a:p>
         </p:txBody>
       </p:sp>
       <p:pic>
         <p:nvPicPr>
-          <p:cNvPr id="5" name="Picture 4">
+          <p:cNvPr id="4" name="Picture 3">
             <a:extLst>
               <a:ext uri="{FF2B5EF4-FFF2-40B4-BE49-F238E27FC236}">
-                <a16:creationId xmlns:a16="http://schemas.microsoft.com/office/drawing/2014/main" id="{32C0B2F5-14C4-481C-B3EC-EB54E1966B80}"/>
+                <a16:creationId xmlns:a16="http://schemas.microsoft.com/office/drawing/2014/main" id="{FE97AC0D-90E5-49D6-854B-251DCA4E3581}"/>
               </a:ext>
             </a:extLst>
           </p:cNvPr>
@@ -4131,15 +4121,51 @@
           <p:nvPr/>
         </p:nvPicPr>
         <p:blipFill>
-          <a:blip r:embed="rId2"/>
+          <a:blip r:embed="rId2">
+            <a:extLst>
+              <a:ext uri="{28A0092B-C50C-407E-A947-70E740481C1C}">
+                <a14:useLocalDpi xmlns:a14="http://schemas.microsoft.com/office/drawing/2010/main" val="0"/>
+              </a:ext>
+            </a:extLst>
+          </a:blip>
           <a:stretch>
             <a:fillRect/>
           </a:stretch>
         </p:blipFill>
         <p:spPr>
           <a:xfrm>
-            <a:off x="5719431" y="6124922"/>
-            <a:ext cx="613109" cy="327695"/>
+            <a:off x="301657" y="1021552"/>
+            <a:ext cx="4477733" cy="3034092"/>
+          </a:xfrm>
+          <a:prstGeom prst="rect">
+            <a:avLst/>
+          </a:prstGeom>
+        </p:spPr>
+      </p:pic>
+      <p:pic>
+        <p:nvPicPr>
+          <p:cNvPr id="6" name="Picture 5">
+            <a:extLst>
+              <a:ext uri="{FF2B5EF4-FFF2-40B4-BE49-F238E27FC236}">
+                <a16:creationId xmlns:a16="http://schemas.microsoft.com/office/drawing/2014/main" id="{CB8C20ED-2B43-4DCD-B8C1-49A4FEC50DB5}"/>
+              </a:ext>
+            </a:extLst>
+          </p:cNvPr>
+          <p:cNvPicPr>
+            <a:picLocks noChangeAspect="1"/>
+          </p:cNvPicPr>
+          <p:nvPr/>
+        </p:nvPicPr>
+        <p:blipFill>
+          <a:blip r:embed="rId3"/>
+          <a:stretch>
+            <a:fillRect/>
+          </a:stretch>
+        </p:blipFill>
+        <p:spPr>
+          <a:xfrm>
+            <a:off x="301656" y="3860766"/>
+            <a:ext cx="4477733" cy="3049406"/>
           </a:xfrm>
           <a:prstGeom prst="rect">
             <a:avLst/>
@@ -4178,6 +4204,78 @@
       </p:grpSpPr>
       <p:sp>
         <p:nvSpPr>
+          <p:cNvPr id="2" name="Title 1">
+            <a:extLst>
+              <a:ext uri="{FF2B5EF4-FFF2-40B4-BE49-F238E27FC236}">
+                <a16:creationId xmlns:a16="http://schemas.microsoft.com/office/drawing/2014/main" id="{1FA5D142-60A1-48CF-BE17-0E3125420571}"/>
+              </a:ext>
+            </a:extLst>
+          </p:cNvPr>
+          <p:cNvSpPr>
+            <a:spLocks noGrp="1"/>
+          </p:cNvSpPr>
+          <p:nvPr>
+            <p:ph type="title"/>
+          </p:nvPr>
+        </p:nvSpPr>
+        <p:spPr>
+          <a:xfrm>
+            <a:off x="0" y="0"/>
+            <a:ext cx="9692640" cy="754144"/>
+          </a:xfrm>
+          <a:solidFill>
+            <a:schemeClr val="tx1"/>
+          </a:solidFill>
+        </p:spPr>
+        <p:txBody>
+          <a:bodyPr>
+            <a:normAutofit/>
+          </a:bodyPr>
+          <a:lstStyle/>
+          <a:p>
+            <a:r>
+              <a:rPr lang="en-US" dirty="0">
+                <a:solidFill>
+                  <a:schemeClr val="bg1"/>
+                </a:solidFill>
+              </a:rPr>
+              <a:t>Where Next?</a:t>
+            </a:r>
+          </a:p>
+        </p:txBody>
+      </p:sp>
+    </p:spTree>
+    <p:extLst>
+      <p:ext uri="{BB962C8B-B14F-4D97-AF65-F5344CB8AC3E}">
+        <p14:creationId xmlns:p14="http://schemas.microsoft.com/office/powerpoint/2010/main" val="344149926"/>
+      </p:ext>
+    </p:extLst>
+  </p:cSld>
+  <p:clrMapOvr>
+    <a:masterClrMapping/>
+  </p:clrMapOvr>
+</p:sld>
+</file>
+
+<file path=ppt/slides/slide12.xml><?xml version="1.0" encoding="utf-8"?>
+<p:sld xmlns:a="http://schemas.openxmlformats.org/drawingml/2006/main" xmlns:r="http://schemas.openxmlformats.org/officeDocument/2006/relationships" xmlns:p="http://schemas.openxmlformats.org/presentationml/2006/main">
+  <p:cSld>
+    <p:spTree>
+      <p:nvGrpSpPr>
+        <p:cNvPr id="1" name=""/>
+        <p:cNvGrpSpPr/>
+        <p:nvPr/>
+      </p:nvGrpSpPr>
+      <p:grpSpPr>
+        <a:xfrm>
+          <a:off x="0" y="0"/>
+          <a:ext cx="0" cy="0"/>
+          <a:chOff x="0" y="0"/>
+          <a:chExt cx="0" cy="0"/>
+        </a:xfrm>
+      </p:grpSpPr>
+      <p:sp>
+        <p:nvSpPr>
           <p:cNvPr id="4" name="Text Placeholder 3"/>
           <p:cNvSpPr>
             <a:spLocks noGrp="1"/>
@@ -4340,7 +4438,7 @@
         <p:spPr>
           <a:xfrm>
             <a:off x="207390" y="1005791"/>
-            <a:ext cx="9577633" cy="3970318"/>
+            <a:ext cx="9577633" cy="3693319"/>
           </a:xfrm>
           <a:prstGeom prst="rect">
             <a:avLst/>
@@ -4375,7 +4473,11 @@
             </a:pPr>
             <a:r>
               <a:rPr lang="en-CA" dirty="0"/>
-              <a:t>Given a net positive state inflow as well as national population growth, has growth in NC counties been generally uniform OR have some counties/areas experienced significantly more growth?</a:t>
+              <a:t>Given a net positive state inflow, has growth in NC counties been generally uniform OR have some counties/areas experienced significantly more growth? </a:t>
+            </a:r>
+            <a:r>
+              <a:rPr lang="en-CA" i="1" dirty="0"/>
+              <a:t>Test hypothesis that growth is limited to already densely populated areas.</a:t>
             </a:r>
           </a:p>
           <a:p>
@@ -4387,7 +4489,7 @@
           <a:p>
             <a:r>
               <a:rPr lang="en-CA" dirty="0"/>
-              <a:t>2. For counties identified where strong growth is identified through analysis, have those counties also demonstrated changes in some key metrics? To answer this question with balance we choose to analyze data through three lenses: Political , Economical &amp; Quality of Life.</a:t>
+              <a:t>2. For counties identified where strong inflow is identified through analysis, has the profile of these counties changed? To answer this question with balance we choose to analyze data through three lenses: Political , Economical &amp; School Enrollment.</a:t>
             </a:r>
           </a:p>
           <a:p>
@@ -5273,41 +5375,11 @@
           <a:p>
             <a:r>
               <a:rPr lang="en-US" dirty="0"/>
-              <a:t>Part 2– Change in  High Growth Counties</a:t>
-            </a:r>
-          </a:p>
-        </p:txBody>
-      </p:sp>
-      <p:pic>
-        <p:nvPicPr>
-          <p:cNvPr id="8" name="Picture 7">
-            <a:extLst>
-              <a:ext uri="{FF2B5EF4-FFF2-40B4-BE49-F238E27FC236}">
-                <a16:creationId xmlns:a16="http://schemas.microsoft.com/office/drawing/2014/main" id="{921330EC-23BB-42B3-83A0-829F01870DC9}"/>
-              </a:ext>
-            </a:extLst>
-          </p:cNvPr>
-          <p:cNvPicPr>
-            <a:picLocks noChangeAspect="1"/>
-          </p:cNvPicPr>
-          <p:nvPr/>
-        </p:nvPicPr>
-        <p:blipFill>
-          <a:blip r:embed="rId3"/>
-          <a:stretch>
-            <a:fillRect/>
-          </a:stretch>
-        </p:blipFill>
-        <p:spPr>
-          <a:xfrm>
-            <a:off x="7555989" y="1942012"/>
-            <a:ext cx="1690273" cy="1602466"/>
-          </a:xfrm>
-          <a:prstGeom prst="rect">
-            <a:avLst/>
-          </a:prstGeom>
-        </p:spPr>
-      </p:pic>
+              <a:t>Part 2– High Growth County Profile Trends</a:t>
+            </a:r>
+          </a:p>
+        </p:txBody>
+      </p:sp>
       <p:pic>
         <p:nvPicPr>
           <p:cNvPr id="9" name="Picture 8">
@@ -5323,7 +5395,7 @@
           <p:nvPr/>
         </p:nvPicPr>
         <p:blipFill>
-          <a:blip r:embed="rId4"/>
+          <a:blip r:embed="rId3"/>
           <a:stretch>
             <a:fillRect/>
           </a:stretch>
@@ -5353,7 +5425,7 @@
           <p:nvPr/>
         </p:nvPicPr>
         <p:blipFill>
-          <a:blip r:embed="rId5"/>
+          <a:blip r:embed="rId4"/>
           <a:stretch>
             <a:fillRect/>
           </a:stretch>
@@ -5486,11 +5558,41 @@
                 </a:solidFill>
                 <a:latin typeface="Arial Black" panose="020B0A04020102020204" pitchFamily="34" charset="0"/>
               </a:rPr>
-              <a:t>Quality of Life</a:t>
-            </a:r>
-          </a:p>
-        </p:txBody>
-      </p:sp>
+              <a:t>Education</a:t>
+            </a:r>
+          </a:p>
+        </p:txBody>
+      </p:sp>
+      <p:pic>
+        <p:nvPicPr>
+          <p:cNvPr id="3" name="Picture 2">
+            <a:extLst>
+              <a:ext uri="{FF2B5EF4-FFF2-40B4-BE49-F238E27FC236}">
+                <a16:creationId xmlns:a16="http://schemas.microsoft.com/office/drawing/2014/main" id="{66972B55-20CE-4F26-99D4-C7430EB4CB89}"/>
+              </a:ext>
+            </a:extLst>
+          </p:cNvPr>
+          <p:cNvPicPr>
+            <a:picLocks noChangeAspect="1"/>
+          </p:cNvPicPr>
+          <p:nvPr/>
+        </p:nvPicPr>
+        <p:blipFill>
+          <a:blip r:embed="rId5"/>
+          <a:stretch>
+            <a:fillRect/>
+          </a:stretch>
+        </p:blipFill>
+        <p:spPr>
+          <a:xfrm>
+            <a:off x="7772539" y="2273353"/>
+            <a:ext cx="1416398" cy="1271125"/>
+          </a:xfrm>
+          <a:prstGeom prst="rect">
+            <a:avLst/>
+          </a:prstGeom>
+        </p:spPr>
+      </p:pic>
     </p:spTree>
     <p:extLst>
       <p:ext uri="{BB962C8B-B14F-4D97-AF65-F5344CB8AC3E}">
@@ -5729,7 +5831,7 @@
           <a:p>
             <a:r>
               <a:rPr lang="en-CA" dirty="0"/>
-              <a:t>slides for Jasmine's economic stuff</a:t>
+              <a:t>slides for Jasmine’s median income stuff</a:t>
             </a:r>
           </a:p>
           <a:p>

--- a/presentation/NC Growth.pptx
+++ b/presentation/NC Growth.pptx
@@ -208,7 +208,7 @@
           <a:p>
             <a:fld id="{CECC4D60-9EE3-42B2-99BE-2D796BAC39BF}" type="datetimeFigureOut">
               <a:rPr lang="en-US" smtClean="0"/>
-              <a:t>1/18/2020</a:t>
+              <a:t>1/19/2020</a:t>
             </a:fld>
             <a:endParaRPr lang="en-US"/>
           </a:p>
@@ -817,7 +817,7 @@
           <a:p>
             <a:fld id="{7736F1F6-4F4C-493F-8DC4-612848D97E6E}" type="datetimeFigureOut">
               <a:rPr lang="en-CA" smtClean="0"/>
-              <a:t>2020-01-18</a:t>
+              <a:t>2020-01-19</a:t>
             </a:fld>
             <a:endParaRPr lang="en-CA"/>
           </a:p>
@@ -1045,7 +1045,7 @@
           <a:p>
             <a:fld id="{7736F1F6-4F4C-493F-8DC4-612848D97E6E}" type="datetimeFigureOut">
               <a:rPr lang="en-CA" smtClean="0"/>
-              <a:t>2020-01-18</a:t>
+              <a:t>2020-01-19</a:t>
             </a:fld>
             <a:endParaRPr lang="en-CA"/>
           </a:p>
@@ -1225,7 +1225,7 @@
           <a:p>
             <a:fld id="{7736F1F6-4F4C-493F-8DC4-612848D97E6E}" type="datetimeFigureOut">
               <a:rPr lang="en-CA" smtClean="0"/>
-              <a:t>2020-01-18</a:t>
+              <a:t>2020-01-19</a:t>
             </a:fld>
             <a:endParaRPr lang="en-CA"/>
           </a:p>
@@ -1395,7 +1395,7 @@
           <a:p>
             <a:fld id="{7736F1F6-4F4C-493F-8DC4-612848D97E6E}" type="datetimeFigureOut">
               <a:rPr lang="en-CA" smtClean="0"/>
-              <a:t>2020-01-18</a:t>
+              <a:t>2020-01-19</a:t>
             </a:fld>
             <a:endParaRPr lang="en-CA"/>
           </a:p>
@@ -1649,7 +1649,7 @@
           <a:p>
             <a:fld id="{7736F1F6-4F4C-493F-8DC4-612848D97E6E}" type="datetimeFigureOut">
               <a:rPr lang="en-CA" smtClean="0"/>
-              <a:t>2020-01-18</a:t>
+              <a:t>2020-01-19</a:t>
             </a:fld>
             <a:endParaRPr lang="en-CA"/>
           </a:p>
@@ -1975,7 +1975,7 @@
           <a:p>
             <a:fld id="{7736F1F6-4F4C-493F-8DC4-612848D97E6E}" type="datetimeFigureOut">
               <a:rPr lang="en-CA" smtClean="0"/>
-              <a:t>2020-01-18</a:t>
+              <a:t>2020-01-19</a:t>
             </a:fld>
             <a:endParaRPr lang="en-CA"/>
           </a:p>
@@ -2426,7 +2426,7 @@
           <a:p>
             <a:fld id="{7736F1F6-4F4C-493F-8DC4-612848D97E6E}" type="datetimeFigureOut">
               <a:rPr lang="en-CA" smtClean="0"/>
-              <a:t>2020-01-18</a:t>
+              <a:t>2020-01-19</a:t>
             </a:fld>
             <a:endParaRPr lang="en-CA"/>
           </a:p>
@@ -2544,7 +2544,7 @@
           <a:p>
             <a:fld id="{7736F1F6-4F4C-493F-8DC4-612848D97E6E}" type="datetimeFigureOut">
               <a:rPr lang="en-CA" smtClean="0"/>
-              <a:t>2020-01-18</a:t>
+              <a:t>2020-01-19</a:t>
             </a:fld>
             <a:endParaRPr lang="en-CA"/>
           </a:p>
@@ -2639,7 +2639,7 @@
           <a:p>
             <a:fld id="{7736F1F6-4F4C-493F-8DC4-612848D97E6E}" type="datetimeFigureOut">
               <a:rPr lang="en-CA" smtClean="0"/>
-              <a:t>2020-01-18</a:t>
+              <a:t>2020-01-19</a:t>
             </a:fld>
             <a:endParaRPr lang="en-CA"/>
           </a:p>
@@ -2926,7 +2926,7 @@
           <a:p>
             <a:fld id="{7736F1F6-4F4C-493F-8DC4-612848D97E6E}" type="datetimeFigureOut">
               <a:rPr lang="en-CA" smtClean="0"/>
-              <a:t>2020-01-18</a:t>
+              <a:t>2020-01-19</a:t>
             </a:fld>
             <a:endParaRPr lang="en-CA"/>
           </a:p>
@@ -3248,7 +3248,7 @@
           <a:p>
             <a:fld id="{7736F1F6-4F4C-493F-8DC4-612848D97E6E}" type="datetimeFigureOut">
               <a:rPr lang="en-CA" smtClean="0"/>
-              <a:t>2020-01-18</a:t>
+              <a:t>2020-01-19</a:t>
             </a:fld>
             <a:endParaRPr lang="en-CA"/>
           </a:p>
@@ -3502,7 +3502,7 @@
           <a:p>
             <a:fld id="{7736F1F6-4F4C-493F-8DC4-612848D97E6E}" type="datetimeFigureOut">
               <a:rPr lang="en-CA" smtClean="0"/>
-              <a:t>2020-01-18</a:t>
+              <a:t>2020-01-19</a:t>
             </a:fld>
             <a:endParaRPr lang="en-CA"/>
           </a:p>
@@ -4083,7 +4083,7 @@
         <p:spPr>
           <a:xfrm>
             <a:off x="0" y="0"/>
-            <a:ext cx="9692640" cy="754144"/>
+            <a:ext cx="9692640" cy="1128731"/>
           </a:xfrm>
           <a:solidFill>
             <a:schemeClr val="tx1"/>
@@ -4101,17 +4101,17 @@
                   <a:schemeClr val="bg1"/>
                 </a:solidFill>
               </a:rPr>
-              <a:t>Public / Non Public School Enrollment</a:t>
+              <a:t>Public / Non Public School Enrollment in High Growth Counties</a:t>
             </a:r>
           </a:p>
         </p:txBody>
       </p:sp>
       <p:pic>
         <p:nvPicPr>
-          <p:cNvPr id="4" name="Picture 3">
+          <p:cNvPr id="5" name="Picture 4">
             <a:extLst>
               <a:ext uri="{FF2B5EF4-FFF2-40B4-BE49-F238E27FC236}">
-                <a16:creationId xmlns:a16="http://schemas.microsoft.com/office/drawing/2014/main" id="{FE97AC0D-90E5-49D6-854B-251DCA4E3581}"/>
+                <a16:creationId xmlns:a16="http://schemas.microsoft.com/office/drawing/2014/main" id="{0B2279A6-92BF-4163-B8F1-3FE1DD6AC3C8}"/>
               </a:ext>
             </a:extLst>
           </p:cNvPr>
@@ -4134,44 +4134,126 @@
         </p:blipFill>
         <p:spPr>
           <a:xfrm>
-            <a:off x="301657" y="1021552"/>
-            <a:ext cx="4477733" cy="3034092"/>
+            <a:off x="0" y="1618227"/>
+            <a:ext cx="7316867" cy="5030346"/>
           </a:xfrm>
           <a:prstGeom prst="rect">
             <a:avLst/>
           </a:prstGeom>
         </p:spPr>
       </p:pic>
-      <p:pic>
-        <p:nvPicPr>
-          <p:cNvPr id="6" name="Picture 5">
+      <p:sp>
+        <p:nvSpPr>
+          <p:cNvPr id="7" name="TextBox 6">
             <a:extLst>
               <a:ext uri="{FF2B5EF4-FFF2-40B4-BE49-F238E27FC236}">
-                <a16:creationId xmlns:a16="http://schemas.microsoft.com/office/drawing/2014/main" id="{CB8C20ED-2B43-4DCD-B8C1-49A4FEC50DB5}"/>
+                <a16:creationId xmlns:a16="http://schemas.microsoft.com/office/drawing/2014/main" id="{B561A467-2150-4E79-8CCA-A11763B811A4}"/>
               </a:ext>
             </a:extLst>
           </p:cNvPr>
-          <p:cNvPicPr>
-            <a:picLocks noChangeAspect="1"/>
-          </p:cNvPicPr>
+          <p:cNvSpPr txBox="1"/>
           <p:nvPr/>
-        </p:nvPicPr>
-        <p:blipFill>
-          <a:blip r:embed="rId3"/>
-          <a:stretch>
-            <a:fillRect/>
-          </a:stretch>
-        </p:blipFill>
+        </p:nvSpPr>
         <p:spPr>
           <a:xfrm>
-            <a:off x="301656" y="3860766"/>
-            <a:ext cx="4477733" cy="3049406"/>
+            <a:off x="7316868" y="1231705"/>
+            <a:ext cx="3967018" cy="4739759"/>
           </a:xfrm>
           <a:prstGeom prst="rect">
             <a:avLst/>
           </a:prstGeom>
+          <a:noFill/>
         </p:spPr>
-      </p:pic>
+        <p:txBody>
+          <a:bodyPr wrap="square" rtlCol="0">
+            <a:spAutoFit/>
+          </a:bodyPr>
+          <a:lstStyle/>
+          <a:p>
+            <a:r>
+              <a:rPr lang="en-CA" sz="1600" dirty="0"/>
+              <a:t>Goal:</a:t>
+            </a:r>
+          </a:p>
+          <a:p>
+            <a:r>
+              <a:rPr lang="en-CA" sz="1600" dirty="0"/>
+              <a:t> Determine if the ratio between public and non public school enrollment is  high growth counties changing</a:t>
+            </a:r>
+          </a:p>
+          <a:p>
+            <a:endParaRPr lang="en-CA" sz="1400" dirty="0"/>
+          </a:p>
+          <a:p>
+            <a:r>
+              <a:rPr lang="en-CA" sz="1400" dirty="0"/>
+              <a:t>Approach:</a:t>
+            </a:r>
+          </a:p>
+          <a:p>
+            <a:pPr marL="342900" indent="-342900">
+              <a:buAutoNum type="alphaLcPeriod"/>
+            </a:pPr>
+            <a:r>
+              <a:rPr lang="en-CA" sz="1400" dirty="0"/>
+              <a:t>Sourced csv files with school type enrollment by year, population, and file indicating high growth counties and loaded to </a:t>
+            </a:r>
+            <a:r>
+              <a:rPr lang="en-CA" sz="1400" dirty="0" err="1"/>
+              <a:t>dataframe</a:t>
+            </a:r>
+            <a:r>
+              <a:rPr lang="en-CA" sz="1400" dirty="0"/>
+              <a:t>.</a:t>
+            </a:r>
+          </a:p>
+          <a:p>
+            <a:pPr marL="342900" indent="-342900">
+              <a:buAutoNum type="alphaLcPeriod"/>
+            </a:pPr>
+            <a:r>
+              <a:rPr lang="en-CA" sz="1400" dirty="0"/>
+              <a:t>Created calculated columns for % of population for each public vs non public and filtered for high growth counties.</a:t>
+            </a:r>
+          </a:p>
+          <a:p>
+            <a:pPr marL="342900" indent="-342900">
+              <a:buAutoNum type="alphaLcPeriod"/>
+            </a:pPr>
+            <a:r>
+              <a:rPr lang="en-CA" sz="1400" dirty="0"/>
+              <a:t>Grouped on high growth counties to determine mean percentages.</a:t>
+            </a:r>
+          </a:p>
+          <a:p>
+            <a:pPr marL="342900" indent="-342900">
+              <a:buAutoNum type="alphaLcPeriod"/>
+            </a:pPr>
+            <a:r>
+              <a:rPr lang="en-CA" sz="1400" dirty="0"/>
+              <a:t>Used Matplotlib sub plots to plot data on individual axes in same figure.</a:t>
+            </a:r>
+          </a:p>
+          <a:p>
+            <a:endParaRPr lang="en-CA" sz="1400" dirty="0"/>
+          </a:p>
+          <a:p>
+            <a:r>
+              <a:rPr lang="en-CA" sz="1400" dirty="0"/>
+              <a:t>Source Code:</a:t>
+            </a:r>
+          </a:p>
+          <a:p>
+            <a:r>
+              <a:rPr lang="en-US" sz="1400" dirty="0">
+                <a:hlinkClick r:id="rId3"/>
+              </a:rPr>
+              <a:t>https://github.com/jasgarcia/NCGrowth/blob/master/NC_County_PubSchEnroll.ipynb</a:t>
+            </a:r>
+            <a:endParaRPr lang="en-CA" sz="1400" dirty="0"/>
+          </a:p>
+        </p:txBody>
+      </p:sp>
     </p:spTree>
     <p:extLst>
       <p:ext uri="{BB962C8B-B14F-4D97-AF65-F5344CB8AC3E}">
@@ -4239,7 +4321,124 @@
                   <a:schemeClr val="bg1"/>
                 </a:solidFill>
               </a:rPr>
-              <a:t>Where Next?</a:t>
+              <a:t>Conclusions /Where Next?</a:t>
+            </a:r>
+          </a:p>
+        </p:txBody>
+      </p:sp>
+      <p:sp>
+        <p:nvSpPr>
+          <p:cNvPr id="4" name="TextBox 3">
+            <a:extLst>
+              <a:ext uri="{FF2B5EF4-FFF2-40B4-BE49-F238E27FC236}">
+                <a16:creationId xmlns:a16="http://schemas.microsoft.com/office/drawing/2014/main" id="{D2B85981-2BF1-4D00-A88B-50166375C26C}"/>
+              </a:ext>
+            </a:extLst>
+          </p:cNvPr>
+          <p:cNvSpPr txBox="1"/>
+          <p:nvPr/>
+        </p:nvSpPr>
+        <p:spPr>
+          <a:xfrm>
+            <a:off x="358219" y="1231705"/>
+            <a:ext cx="10925667" cy="3877985"/>
+          </a:xfrm>
+          <a:prstGeom prst="rect">
+            <a:avLst/>
+          </a:prstGeom>
+          <a:noFill/>
+        </p:spPr>
+        <p:txBody>
+          <a:bodyPr wrap="square" rtlCol="0">
+            <a:spAutoFit/>
+          </a:bodyPr>
+          <a:lstStyle/>
+          <a:p>
+            <a:r>
+              <a:rPr lang="en-CA" u="sng" dirty="0"/>
+              <a:t>Conclusions:</a:t>
+            </a:r>
+          </a:p>
+          <a:p>
+            <a:endParaRPr lang="en-CA" u="sng" dirty="0"/>
+          </a:p>
+          <a:p>
+            <a:pPr marL="342900" indent="-342900">
+              <a:buFont typeface="+mj-lt"/>
+              <a:buAutoNum type="alphaUcPeriod"/>
+            </a:pPr>
+            <a:r>
+              <a:rPr lang="en-CA" sz="1600" dirty="0"/>
+              <a:t> North Carolina inflow growth is really only occurring in the Charlotte and Raleigh-Durham areas in absolute terms and in the Wilmington area in percentage terms.</a:t>
+            </a:r>
+          </a:p>
+          <a:p>
+            <a:pPr marL="342900" indent="-342900">
+              <a:buFont typeface="+mj-lt"/>
+              <a:buAutoNum type="alphaUcPeriod"/>
+            </a:pPr>
+            <a:r>
+              <a:rPr lang="en-CA" sz="1600" dirty="0"/>
+              <a:t>There are indicators that the profile of these areas are becoming more affluent. Changes in </a:t>
+            </a:r>
+            <a:r>
+              <a:rPr lang="en-CA" sz="1600"/>
+              <a:t>political make up </a:t>
+            </a:r>
+            <a:r>
+              <a:rPr lang="en-CA" sz="1600" dirty="0"/>
+              <a:t>could have national implications.</a:t>
+            </a:r>
+          </a:p>
+          <a:p>
+            <a:endParaRPr lang="en-CA" sz="1400" dirty="0"/>
+          </a:p>
+          <a:p>
+            <a:r>
+              <a:rPr lang="en-CA" u="sng" dirty="0"/>
+              <a:t>Where Next:</a:t>
+            </a:r>
+          </a:p>
+          <a:p>
+            <a:endParaRPr lang="en-CA" u="sng" dirty="0"/>
+          </a:p>
+          <a:p>
+            <a:r>
+              <a:rPr lang="en-CA" sz="1600" dirty="0"/>
+              <a:t>More detailed analysis could be done on these high growth counties to answer a few important questions:</a:t>
+            </a:r>
+          </a:p>
+          <a:p>
+            <a:endParaRPr lang="en-CA" sz="1600" dirty="0"/>
+          </a:p>
+          <a:p>
+            <a:pPr marL="800100" lvl="1" indent="-342900">
+              <a:buFont typeface="Arial" panose="020B0604020202020204" pitchFamily="34" charset="0"/>
+              <a:buChar char="•"/>
+            </a:pPr>
+            <a:r>
+              <a:rPr lang="en-CA" sz="1600" dirty="0"/>
+              <a:t>Is inflow likely to continue vis-à-vis are the factors that draw people to these areas likely to continue?</a:t>
+            </a:r>
+          </a:p>
+          <a:p>
+            <a:pPr marL="800100" lvl="1" indent="-342900">
+              <a:buFont typeface="Arial" panose="020B0604020202020204" pitchFamily="34" charset="0"/>
+              <a:buChar char="•"/>
+            </a:pPr>
+            <a:r>
+              <a:rPr lang="en-CA" sz="1600" dirty="0"/>
+              <a:t>What is the impact of a growth on the less fortunate? E.g. Gentrification vs Better funded local social services…</a:t>
+            </a:r>
+          </a:p>
+          <a:p>
+            <a:pPr marL="800100" lvl="1" indent="-342900">
+              <a:buFont typeface="Arial" panose="020B0604020202020204" pitchFamily="34" charset="0"/>
+              <a:buChar char="•"/>
+            </a:pPr>
+            <a:r>
+              <a:rPr lang="en-CA" sz="1600" dirty="0"/>
+              <a:t>How do the values measured for these counties compare to state and national trends?</a:t>
             </a:r>
           </a:p>
         </p:txBody>
@@ -4718,54 +4917,12 @@
           <a:chExt cx="0" cy="0"/>
         </a:xfrm>
       </p:grpSpPr>
-      <p:sp>
-        <p:nvSpPr>
-          <p:cNvPr id="2" name="Title 1">
+      <p:pic>
+        <p:nvPicPr>
+          <p:cNvPr id="4" name="Picture 3">
             <a:extLst>
               <a:ext uri="{FF2B5EF4-FFF2-40B4-BE49-F238E27FC236}">
-                <a16:creationId xmlns:a16="http://schemas.microsoft.com/office/drawing/2014/main" id="{1FA5D142-60A1-48CF-BE17-0E3125420571}"/>
-              </a:ext>
-            </a:extLst>
-          </p:cNvPr>
-          <p:cNvSpPr>
-            <a:spLocks noGrp="1"/>
-          </p:cNvSpPr>
-          <p:nvPr>
-            <p:ph type="title"/>
-          </p:nvPr>
-        </p:nvSpPr>
-        <p:spPr>
-          <a:xfrm>
-            <a:off x="0" y="0"/>
-            <a:ext cx="9692640" cy="754144"/>
-          </a:xfrm>
-          <a:solidFill>
-            <a:schemeClr val="tx1"/>
-          </a:solidFill>
-        </p:spPr>
-        <p:txBody>
-          <a:bodyPr>
-            <a:normAutofit/>
-          </a:bodyPr>
-          <a:lstStyle/>
-          <a:p>
-            <a:r>
-              <a:rPr lang="en-US" dirty="0">
-                <a:solidFill>
-                  <a:schemeClr val="bg1"/>
-                </a:solidFill>
-              </a:rPr>
-              <a:t>Initial County Plot</a:t>
-            </a:r>
-          </a:p>
-        </p:txBody>
-      </p:sp>
-      <p:pic>
-        <p:nvPicPr>
-          <p:cNvPr id="8" name="Picture 7">
-            <a:extLst>
-              <a:ext uri="{FF2B5EF4-FFF2-40B4-BE49-F238E27FC236}">
-                <a16:creationId xmlns:a16="http://schemas.microsoft.com/office/drawing/2014/main" id="{9442EF84-925B-40F9-A5C3-6A5BDA76E0F5}"/>
+                <a16:creationId xmlns:a16="http://schemas.microsoft.com/office/drawing/2014/main" id="{F93052A0-81B4-46D9-AB7E-F3C5908748BB}"/>
               </a:ext>
             </a:extLst>
           </p:cNvPr>
@@ -4788,14 +4945,56 @@
         </p:blipFill>
         <p:spPr>
           <a:xfrm>
-            <a:off x="0" y="1096355"/>
-            <a:ext cx="7029688" cy="5272266"/>
+            <a:off x="0" y="1008095"/>
+            <a:ext cx="7316867" cy="5030346"/>
           </a:xfrm>
           <a:prstGeom prst="rect">
             <a:avLst/>
           </a:prstGeom>
         </p:spPr>
       </p:pic>
+      <p:sp>
+        <p:nvSpPr>
+          <p:cNvPr id="2" name="Title 1">
+            <a:extLst>
+              <a:ext uri="{FF2B5EF4-FFF2-40B4-BE49-F238E27FC236}">
+                <a16:creationId xmlns:a16="http://schemas.microsoft.com/office/drawing/2014/main" id="{1FA5D142-60A1-48CF-BE17-0E3125420571}"/>
+              </a:ext>
+            </a:extLst>
+          </p:cNvPr>
+          <p:cNvSpPr>
+            <a:spLocks noGrp="1"/>
+          </p:cNvSpPr>
+          <p:nvPr>
+            <p:ph type="title"/>
+          </p:nvPr>
+        </p:nvSpPr>
+        <p:spPr>
+          <a:xfrm>
+            <a:off x="0" y="0"/>
+            <a:ext cx="9692640" cy="754144"/>
+          </a:xfrm>
+          <a:solidFill>
+            <a:schemeClr val="tx1"/>
+          </a:solidFill>
+        </p:spPr>
+        <p:txBody>
+          <a:bodyPr>
+            <a:normAutofit/>
+          </a:bodyPr>
+          <a:lstStyle/>
+          <a:p>
+            <a:r>
+              <a:rPr lang="en-US" dirty="0">
+                <a:solidFill>
+                  <a:schemeClr val="bg1"/>
+                </a:solidFill>
+              </a:rPr>
+              <a:t>Initial County Plot</a:t>
+            </a:r>
+          </a:p>
+        </p:txBody>
+      </p:sp>
       <p:sp>
         <p:nvSpPr>
           <p:cNvPr id="11" name="TextBox 10">

--- a/presentation/NC Growth.pptx
+++ b/presentation/NC Growth.pptx
@@ -5,7 +5,7 @@
     <p:sldMasterId id="2147483792" r:id="rId1"/>
   </p:sldMasterIdLst>
   <p:notesMasterIdLst>
-    <p:notesMasterId r:id="rId14"/>
+    <p:notesMasterId r:id="rId17"/>
   </p:notesMasterIdLst>
   <p:sldIdLst>
     <p:sldId id="256" r:id="rId2"/>
@@ -16,10 +16,13 @@
     <p:sldId id="275" r:id="rId7"/>
     <p:sldId id="277" r:id="rId8"/>
     <p:sldId id="278" r:id="rId9"/>
-    <p:sldId id="279" r:id="rId10"/>
-    <p:sldId id="280" r:id="rId11"/>
-    <p:sldId id="281" r:id="rId12"/>
-    <p:sldId id="264" r:id="rId13"/>
+    <p:sldId id="285" r:id="rId10"/>
+    <p:sldId id="286" r:id="rId11"/>
+    <p:sldId id="287" r:id="rId12"/>
+    <p:sldId id="279" r:id="rId13"/>
+    <p:sldId id="280" r:id="rId14"/>
+    <p:sldId id="281" r:id="rId15"/>
+    <p:sldId id="264" r:id="rId16"/>
   </p:sldIdLst>
   <p:sldSz cx="12192000" cy="6858000"/>
   <p:notesSz cx="6858000" cy="9144000"/>
@@ -208,7 +211,7 @@
           <a:p>
             <a:fld id="{CECC4D60-9EE3-42B2-99BE-2D796BAC39BF}" type="datetimeFigureOut">
               <a:rPr lang="en-US" smtClean="0"/>
-              <a:t>1/19/2020</a:t>
+              <a:t>1/21/20</a:t>
             </a:fld>
             <a:endParaRPr lang="en-US"/>
           </a:p>
@@ -817,7 +820,7 @@
           <a:p>
             <a:fld id="{7736F1F6-4F4C-493F-8DC4-612848D97E6E}" type="datetimeFigureOut">
               <a:rPr lang="en-CA" smtClean="0"/>
-              <a:t>2020-01-19</a:t>
+              <a:t>2020-01-21</a:t>
             </a:fld>
             <a:endParaRPr lang="en-CA"/>
           </a:p>
@@ -1045,7 +1048,7 @@
           <a:p>
             <a:fld id="{7736F1F6-4F4C-493F-8DC4-612848D97E6E}" type="datetimeFigureOut">
               <a:rPr lang="en-CA" smtClean="0"/>
-              <a:t>2020-01-19</a:t>
+              <a:t>2020-01-21</a:t>
             </a:fld>
             <a:endParaRPr lang="en-CA"/>
           </a:p>
@@ -1225,7 +1228,7 @@
           <a:p>
             <a:fld id="{7736F1F6-4F4C-493F-8DC4-612848D97E6E}" type="datetimeFigureOut">
               <a:rPr lang="en-CA" smtClean="0"/>
-              <a:t>2020-01-19</a:t>
+              <a:t>2020-01-21</a:t>
             </a:fld>
             <a:endParaRPr lang="en-CA"/>
           </a:p>
@@ -1395,7 +1398,7 @@
           <a:p>
             <a:fld id="{7736F1F6-4F4C-493F-8DC4-612848D97E6E}" type="datetimeFigureOut">
               <a:rPr lang="en-CA" smtClean="0"/>
-              <a:t>2020-01-19</a:t>
+              <a:t>2020-01-21</a:t>
             </a:fld>
             <a:endParaRPr lang="en-CA"/>
           </a:p>
@@ -1649,7 +1652,7 @@
           <a:p>
             <a:fld id="{7736F1F6-4F4C-493F-8DC4-612848D97E6E}" type="datetimeFigureOut">
               <a:rPr lang="en-CA" smtClean="0"/>
-              <a:t>2020-01-19</a:t>
+              <a:t>2020-01-21</a:t>
             </a:fld>
             <a:endParaRPr lang="en-CA"/>
           </a:p>
@@ -1975,7 +1978,7 @@
           <a:p>
             <a:fld id="{7736F1F6-4F4C-493F-8DC4-612848D97E6E}" type="datetimeFigureOut">
               <a:rPr lang="en-CA" smtClean="0"/>
-              <a:t>2020-01-19</a:t>
+              <a:t>2020-01-21</a:t>
             </a:fld>
             <a:endParaRPr lang="en-CA"/>
           </a:p>
@@ -2426,7 +2429,7 @@
           <a:p>
             <a:fld id="{7736F1F6-4F4C-493F-8DC4-612848D97E6E}" type="datetimeFigureOut">
               <a:rPr lang="en-CA" smtClean="0"/>
-              <a:t>2020-01-19</a:t>
+              <a:t>2020-01-21</a:t>
             </a:fld>
             <a:endParaRPr lang="en-CA"/>
           </a:p>
@@ -2544,7 +2547,7 @@
           <a:p>
             <a:fld id="{7736F1F6-4F4C-493F-8DC4-612848D97E6E}" type="datetimeFigureOut">
               <a:rPr lang="en-CA" smtClean="0"/>
-              <a:t>2020-01-19</a:t>
+              <a:t>2020-01-21</a:t>
             </a:fld>
             <a:endParaRPr lang="en-CA"/>
           </a:p>
@@ -2639,7 +2642,7 @@
           <a:p>
             <a:fld id="{7736F1F6-4F4C-493F-8DC4-612848D97E6E}" type="datetimeFigureOut">
               <a:rPr lang="en-CA" smtClean="0"/>
-              <a:t>2020-01-19</a:t>
+              <a:t>2020-01-21</a:t>
             </a:fld>
             <a:endParaRPr lang="en-CA"/>
           </a:p>
@@ -2926,7 +2929,7 @@
           <a:p>
             <a:fld id="{7736F1F6-4F4C-493F-8DC4-612848D97E6E}" type="datetimeFigureOut">
               <a:rPr lang="en-CA" smtClean="0"/>
-              <a:t>2020-01-19</a:t>
+              <a:t>2020-01-21</a:t>
             </a:fld>
             <a:endParaRPr lang="en-CA"/>
           </a:p>
@@ -3248,7 +3251,7 @@
           <a:p>
             <a:fld id="{7736F1F6-4F4C-493F-8DC4-612848D97E6E}" type="datetimeFigureOut">
               <a:rPr lang="en-CA" smtClean="0"/>
-              <a:t>2020-01-19</a:t>
+              <a:t>2020-01-21</a:t>
             </a:fld>
             <a:endParaRPr lang="en-CA"/>
           </a:p>
@@ -3502,7 +3505,7 @@
           <a:p>
             <a:fld id="{7736F1F6-4F4C-493F-8DC4-612848D97E6E}" type="datetimeFigureOut">
               <a:rPr lang="en-CA" smtClean="0"/>
-              <a:t>2020-01-19</a:t>
+              <a:t>2020-01-21</a:t>
             </a:fld>
             <a:endParaRPr lang="en-CA"/>
           </a:p>
@@ -4029,7 +4032,7 @@
           <a:p>
             <a:r>
               <a:rPr lang="en-CA" dirty="0"/>
-              <a:t>Jessica Allard, Alexander Brown, Jasmine Garcia, Michael Hargroder</a:t>
+              <a:t>Alexander Brown, Jasmine Garcia, Michael Hargroder</a:t>
             </a:r>
           </a:p>
         </p:txBody>
@@ -4048,6 +4051,621 @@
 </file>
 
 <file path=ppt/slides/slide10.xml><?xml version="1.0" encoding="utf-8"?>
+<p:sld xmlns:a="http://schemas.openxmlformats.org/drawingml/2006/main" xmlns:r="http://schemas.openxmlformats.org/officeDocument/2006/relationships" xmlns:p="http://schemas.openxmlformats.org/presentationml/2006/main">
+  <p:cSld>
+    <p:spTree>
+      <p:nvGrpSpPr>
+        <p:cNvPr id="1" name=""/>
+        <p:cNvGrpSpPr/>
+        <p:nvPr/>
+      </p:nvGrpSpPr>
+      <p:grpSpPr>
+        <a:xfrm>
+          <a:off x="0" y="0"/>
+          <a:ext cx="0" cy="0"/>
+          <a:chOff x="0" y="0"/>
+          <a:chExt cx="0" cy="0"/>
+        </a:xfrm>
+      </p:grpSpPr>
+      <p:sp>
+        <p:nvSpPr>
+          <p:cNvPr id="2" name="Title 1">
+            <a:extLst>
+              <a:ext uri="{FF2B5EF4-FFF2-40B4-BE49-F238E27FC236}">
+                <a16:creationId xmlns:a16="http://schemas.microsoft.com/office/drawing/2014/main" id="{1FA5D142-60A1-48CF-BE17-0E3125420571}"/>
+              </a:ext>
+            </a:extLst>
+          </p:cNvPr>
+          <p:cNvSpPr>
+            <a:spLocks noGrp="1"/>
+          </p:cNvSpPr>
+          <p:nvPr>
+            <p:ph type="title"/>
+          </p:nvPr>
+        </p:nvSpPr>
+        <p:spPr>
+          <a:xfrm>
+            <a:off x="0" y="0"/>
+            <a:ext cx="9692640" cy="754144"/>
+          </a:xfrm>
+          <a:solidFill>
+            <a:schemeClr val="tx1"/>
+          </a:solidFill>
+        </p:spPr>
+        <p:txBody>
+          <a:bodyPr/>
+          <a:lstStyle/>
+          <a:p>
+            <a:r>
+              <a:rPr lang="en-US" dirty="0">
+                <a:solidFill>
+                  <a:schemeClr val="bg1"/>
+                </a:solidFill>
+              </a:rPr>
+              <a:t>Voting in North Carolina</a:t>
+            </a:r>
+          </a:p>
+        </p:txBody>
+      </p:sp>
+      <p:sp>
+        <p:nvSpPr>
+          <p:cNvPr id="8" name="TextBox 7">
+            <a:extLst>
+              <a:ext uri="{FF2B5EF4-FFF2-40B4-BE49-F238E27FC236}">
+                <a16:creationId xmlns:a16="http://schemas.microsoft.com/office/drawing/2014/main" id="{9A9B0A21-ACE1-7547-BAF9-B81794D27FE2}"/>
+              </a:ext>
+            </a:extLst>
+          </p:cNvPr>
+          <p:cNvSpPr txBox="1"/>
+          <p:nvPr/>
+        </p:nvSpPr>
+        <p:spPr>
+          <a:xfrm>
+            <a:off x="6444343" y="935320"/>
+            <a:ext cx="4125686" cy="6032421"/>
+          </a:xfrm>
+          <a:prstGeom prst="rect">
+            <a:avLst/>
+          </a:prstGeom>
+          <a:noFill/>
+        </p:spPr>
+        <p:txBody>
+          <a:bodyPr wrap="square" rtlCol="0">
+            <a:spAutoFit/>
+          </a:bodyPr>
+          <a:lstStyle/>
+          <a:p>
+            <a:r>
+              <a:rPr lang="en-US" sz="1600" dirty="0"/>
+              <a:t>Approach Cont.</a:t>
+            </a:r>
+          </a:p>
+          <a:p>
+            <a:r>
+              <a:rPr lang="en-US" sz="1600" dirty="0"/>
+              <a:t>5. Look at the counties with the highest growth and compare to the counties with highest voting </a:t>
+            </a:r>
+          </a:p>
+          <a:p>
+            <a:pPr marL="285750" indent="-285750">
+              <a:buFontTx/>
+              <a:buChar char="-"/>
+            </a:pPr>
+            <a:r>
+              <a:rPr lang="en-US" sz="1600" dirty="0"/>
+              <a:t>Mecklenburg </a:t>
+            </a:r>
+          </a:p>
+          <a:p>
+            <a:pPr marL="742950" lvl="1" indent="-285750">
+              <a:buFontTx/>
+              <a:buChar char="-"/>
+            </a:pPr>
+            <a:r>
+              <a:rPr lang="en-US" sz="1600" dirty="0"/>
+              <a:t>9.96% (2012)</a:t>
+            </a:r>
+          </a:p>
+          <a:p>
+            <a:pPr marL="742950" lvl="1" indent="-285750">
+              <a:buFontTx/>
+              <a:buChar char="-"/>
+            </a:pPr>
+            <a:r>
+              <a:rPr lang="en-US" sz="1600" dirty="0"/>
+              <a:t>9.94% (2016)</a:t>
+            </a:r>
+          </a:p>
+          <a:p>
+            <a:pPr marL="285750" indent="-285750">
+              <a:buFontTx/>
+              <a:buChar char="-"/>
+            </a:pPr>
+            <a:r>
+              <a:rPr lang="en-US" sz="1600" dirty="0"/>
+              <a:t>Wake</a:t>
+            </a:r>
+          </a:p>
+          <a:p>
+            <a:pPr marL="742950" lvl="1" indent="-285750">
+              <a:buFontTx/>
+              <a:buChar char="-"/>
+            </a:pPr>
+            <a:r>
+              <a:rPr lang="en-US" sz="1600" dirty="0"/>
+              <a:t>10.79% (2012)</a:t>
+            </a:r>
+          </a:p>
+          <a:p>
+            <a:pPr marL="742950" lvl="1" indent="-285750">
+              <a:buFontTx/>
+              <a:buChar char="-"/>
+            </a:pPr>
+            <a:r>
+              <a:rPr lang="en-US" sz="1600" dirty="0"/>
+              <a:t>11.07% (2016)</a:t>
+            </a:r>
+          </a:p>
+          <a:p>
+            <a:r>
+              <a:rPr lang="en-US" sz="1600" dirty="0"/>
+              <a:t>6. Breakdown of how these counties voted by party</a:t>
+            </a:r>
+          </a:p>
+          <a:p>
+            <a:endParaRPr lang="en-US" sz="1600" dirty="0"/>
+          </a:p>
+          <a:p>
+            <a:r>
+              <a:rPr lang="en-US" sz="1600" dirty="0"/>
+              <a:t>Mecklenburg</a:t>
+            </a:r>
+          </a:p>
+          <a:p>
+            <a:r>
+              <a:rPr lang="en-US" sz="1600" dirty="0"/>
+              <a:t>2012</a:t>
+            </a:r>
+          </a:p>
+          <a:p>
+            <a:r>
+              <a:rPr lang="en-US" sz="1600" dirty="0"/>
+              <a:t>Dem: 60.80%</a:t>
+            </a:r>
+          </a:p>
+          <a:p>
+            <a:r>
+              <a:rPr lang="en-US" sz="1600" dirty="0"/>
+              <a:t>Lib: 0.88%</a:t>
+            </a:r>
+          </a:p>
+          <a:p>
+            <a:r>
+              <a:rPr lang="en-US" sz="1600" dirty="0"/>
+              <a:t>Rep: 38.33%</a:t>
+            </a:r>
+          </a:p>
+          <a:p>
+            <a:endParaRPr lang="en-US" sz="1600" dirty="0"/>
+          </a:p>
+          <a:p>
+            <a:r>
+              <a:rPr lang="en-US" sz="1600" dirty="0"/>
+              <a:t>2016</a:t>
+            </a:r>
+          </a:p>
+          <a:p>
+            <a:r>
+              <a:rPr lang="en-US" sz="1600" dirty="0"/>
+              <a:t>Dem: 63.27%</a:t>
+            </a:r>
+          </a:p>
+          <a:p>
+            <a:r>
+              <a:rPr lang="en-US" sz="1600" dirty="0"/>
+              <a:t>Lib: 3.33%</a:t>
+            </a:r>
+          </a:p>
+          <a:p>
+            <a:r>
+              <a:rPr lang="en-US" sz="1600" dirty="0"/>
+              <a:t>Rep: 33.4%</a:t>
+            </a:r>
+          </a:p>
+          <a:p>
+            <a:endParaRPr lang="en-US" dirty="0"/>
+          </a:p>
+        </p:txBody>
+      </p:sp>
+      <p:pic>
+        <p:nvPicPr>
+          <p:cNvPr id="7" name="Picture 6" descr="A screenshot of a cell phone&#10;&#10;Description automatically generated">
+            <a:extLst>
+              <a:ext uri="{FF2B5EF4-FFF2-40B4-BE49-F238E27FC236}">
+                <a16:creationId xmlns:a16="http://schemas.microsoft.com/office/drawing/2014/main" id="{7B1FB590-DF0D-B049-851C-D240778A4547}"/>
+              </a:ext>
+            </a:extLst>
+          </p:cNvPr>
+          <p:cNvPicPr>
+            <a:picLocks noChangeAspect="1"/>
+          </p:cNvPicPr>
+          <p:nvPr/>
+        </p:nvPicPr>
+        <p:blipFill>
+          <a:blip r:embed="rId2">
+            <a:extLst>
+              <a:ext uri="{28A0092B-C50C-407E-A947-70E740481C1C}">
+                <a14:useLocalDpi xmlns:a14="http://schemas.microsoft.com/office/drawing/2010/main" val="0"/>
+              </a:ext>
+            </a:extLst>
+          </a:blip>
+          <a:stretch>
+            <a:fillRect/>
+          </a:stretch>
+        </p:blipFill>
+        <p:spPr>
+          <a:xfrm>
+            <a:off x="170090" y="1099457"/>
+            <a:ext cx="6187168" cy="4659086"/>
+          </a:xfrm>
+          <a:prstGeom prst="rect">
+            <a:avLst/>
+          </a:prstGeom>
+        </p:spPr>
+      </p:pic>
+    </p:spTree>
+    <p:extLst>
+      <p:ext uri="{BB962C8B-B14F-4D97-AF65-F5344CB8AC3E}">
+        <p14:creationId xmlns:p14="http://schemas.microsoft.com/office/powerpoint/2010/main" val="2317410822"/>
+      </p:ext>
+    </p:extLst>
+  </p:cSld>
+  <p:clrMapOvr>
+    <a:masterClrMapping/>
+  </p:clrMapOvr>
+</p:sld>
+</file>
+
+<file path=ppt/slides/slide11.xml><?xml version="1.0" encoding="utf-8"?>
+<p:sld xmlns:a="http://schemas.openxmlformats.org/drawingml/2006/main" xmlns:r="http://schemas.openxmlformats.org/officeDocument/2006/relationships" xmlns:p="http://schemas.openxmlformats.org/presentationml/2006/main">
+  <p:cSld>
+    <p:spTree>
+      <p:nvGrpSpPr>
+        <p:cNvPr id="1" name=""/>
+        <p:cNvGrpSpPr/>
+        <p:nvPr/>
+      </p:nvGrpSpPr>
+      <p:grpSpPr>
+        <a:xfrm>
+          <a:off x="0" y="0"/>
+          <a:ext cx="0" cy="0"/>
+          <a:chOff x="0" y="0"/>
+          <a:chExt cx="0" cy="0"/>
+        </a:xfrm>
+      </p:grpSpPr>
+      <p:sp>
+        <p:nvSpPr>
+          <p:cNvPr id="2" name="Title 1">
+            <a:extLst>
+              <a:ext uri="{FF2B5EF4-FFF2-40B4-BE49-F238E27FC236}">
+                <a16:creationId xmlns:a16="http://schemas.microsoft.com/office/drawing/2014/main" id="{1FA5D142-60A1-48CF-BE17-0E3125420571}"/>
+              </a:ext>
+            </a:extLst>
+          </p:cNvPr>
+          <p:cNvSpPr>
+            <a:spLocks noGrp="1"/>
+          </p:cNvSpPr>
+          <p:nvPr>
+            <p:ph type="title"/>
+          </p:nvPr>
+        </p:nvSpPr>
+        <p:spPr>
+          <a:xfrm>
+            <a:off x="0" y="0"/>
+            <a:ext cx="9692640" cy="754144"/>
+          </a:xfrm>
+          <a:solidFill>
+            <a:schemeClr val="tx1"/>
+          </a:solidFill>
+        </p:spPr>
+        <p:txBody>
+          <a:bodyPr/>
+          <a:lstStyle/>
+          <a:p>
+            <a:r>
+              <a:rPr lang="en-US" dirty="0">
+                <a:solidFill>
+                  <a:schemeClr val="bg1"/>
+                </a:solidFill>
+              </a:rPr>
+              <a:t>Voting in North Carolina</a:t>
+            </a:r>
+          </a:p>
+        </p:txBody>
+      </p:sp>
+      <p:sp>
+        <p:nvSpPr>
+          <p:cNvPr id="8" name="TextBox 7">
+            <a:extLst>
+              <a:ext uri="{FF2B5EF4-FFF2-40B4-BE49-F238E27FC236}">
+                <a16:creationId xmlns:a16="http://schemas.microsoft.com/office/drawing/2014/main" id="{9A9B0A21-ACE1-7547-BAF9-B81794D27FE2}"/>
+              </a:ext>
+            </a:extLst>
+          </p:cNvPr>
+          <p:cNvSpPr txBox="1"/>
+          <p:nvPr/>
+        </p:nvSpPr>
+        <p:spPr>
+          <a:xfrm>
+            <a:off x="6738256" y="989748"/>
+            <a:ext cx="3918858" cy="3323987"/>
+          </a:xfrm>
+          <a:prstGeom prst="rect">
+            <a:avLst/>
+          </a:prstGeom>
+          <a:noFill/>
+        </p:spPr>
+        <p:txBody>
+          <a:bodyPr wrap="square" rtlCol="0">
+            <a:spAutoFit/>
+          </a:bodyPr>
+          <a:lstStyle/>
+          <a:p>
+            <a:r>
+              <a:rPr lang="en-US" sz="1600" dirty="0"/>
+              <a:t>Wake County</a:t>
+            </a:r>
+          </a:p>
+          <a:p>
+            <a:endParaRPr lang="en-US" sz="1600" dirty="0"/>
+          </a:p>
+          <a:p>
+            <a:r>
+              <a:rPr lang="en-US" sz="1600" dirty="0"/>
+              <a:t>2012</a:t>
+            </a:r>
+          </a:p>
+          <a:p>
+            <a:r>
+              <a:rPr lang="en-US" sz="1600" dirty="0"/>
+              <a:t>Dem- 55.10%</a:t>
+            </a:r>
+          </a:p>
+          <a:p>
+            <a:r>
+              <a:rPr lang="en-US" sz="1600" dirty="0"/>
+              <a:t>Lib- 1.27%</a:t>
+            </a:r>
+          </a:p>
+          <a:p>
+            <a:r>
+              <a:rPr lang="en-US" sz="1600" dirty="0"/>
+              <a:t>Rep- 43.63%</a:t>
+            </a:r>
+          </a:p>
+          <a:p>
+            <a:endParaRPr lang="en-US" sz="1600" dirty="0"/>
+          </a:p>
+          <a:p>
+            <a:r>
+              <a:rPr lang="en-US" sz="1600" dirty="0"/>
+              <a:t>2016 </a:t>
+            </a:r>
+          </a:p>
+          <a:p>
+            <a:r>
+              <a:rPr lang="en-US" sz="1600" dirty="0"/>
+              <a:t>Dem- 58.41%</a:t>
+            </a:r>
+          </a:p>
+          <a:p>
+            <a:r>
+              <a:rPr lang="en-US" sz="1600" dirty="0"/>
+              <a:t>Lib- 3.75%</a:t>
+            </a:r>
+          </a:p>
+          <a:p>
+            <a:r>
+              <a:rPr lang="en-US" sz="1600" dirty="0"/>
+              <a:t>Rep- 37.83%</a:t>
+            </a:r>
+          </a:p>
+          <a:p>
+            <a:endParaRPr lang="en-US" sz="1600" dirty="0"/>
+          </a:p>
+          <a:p>
+            <a:endParaRPr lang="en-US" dirty="0"/>
+          </a:p>
+        </p:txBody>
+      </p:sp>
+      <p:pic>
+        <p:nvPicPr>
+          <p:cNvPr id="7" name="Picture 6" descr="A screenshot of a cell phone&#10;&#10;Description automatically generated">
+            <a:extLst>
+              <a:ext uri="{FF2B5EF4-FFF2-40B4-BE49-F238E27FC236}">
+                <a16:creationId xmlns:a16="http://schemas.microsoft.com/office/drawing/2014/main" id="{F2F2EECF-6963-CD4D-9B57-C4C4B5B5751E}"/>
+              </a:ext>
+            </a:extLst>
+          </p:cNvPr>
+          <p:cNvPicPr>
+            <a:picLocks noChangeAspect="1"/>
+          </p:cNvPicPr>
+          <p:nvPr/>
+        </p:nvPicPr>
+        <p:blipFill>
+          <a:blip r:embed="rId2">
+            <a:extLst>
+              <a:ext uri="{28A0092B-C50C-407E-A947-70E740481C1C}">
+                <a14:useLocalDpi xmlns:a14="http://schemas.microsoft.com/office/drawing/2010/main" val="0"/>
+              </a:ext>
+            </a:extLst>
+          </a:blip>
+          <a:stretch>
+            <a:fillRect/>
+          </a:stretch>
+        </p:blipFill>
+        <p:spPr>
+          <a:xfrm>
+            <a:off x="250372" y="1633707"/>
+            <a:ext cx="6096000" cy="4867614"/>
+          </a:xfrm>
+          <a:prstGeom prst="rect">
+            <a:avLst/>
+          </a:prstGeom>
+        </p:spPr>
+      </p:pic>
+    </p:spTree>
+    <p:extLst>
+      <p:ext uri="{BB962C8B-B14F-4D97-AF65-F5344CB8AC3E}">
+        <p14:creationId xmlns:p14="http://schemas.microsoft.com/office/powerpoint/2010/main" val="260982973"/>
+      </p:ext>
+    </p:extLst>
+  </p:cSld>
+  <p:clrMapOvr>
+    <a:masterClrMapping/>
+  </p:clrMapOvr>
+</p:sld>
+</file>
+
+<file path=ppt/slides/slide12.xml><?xml version="1.0" encoding="utf-8"?>
+<p:sld xmlns:a="http://schemas.openxmlformats.org/drawingml/2006/main" xmlns:r="http://schemas.openxmlformats.org/officeDocument/2006/relationships" xmlns:p="http://schemas.openxmlformats.org/presentationml/2006/main">
+  <p:cSld>
+    <p:spTree>
+      <p:nvGrpSpPr>
+        <p:cNvPr id="1" name=""/>
+        <p:cNvGrpSpPr/>
+        <p:nvPr/>
+      </p:nvGrpSpPr>
+      <p:grpSpPr>
+        <a:xfrm>
+          <a:off x="0" y="0"/>
+          <a:ext cx="0" cy="0"/>
+          <a:chOff x="0" y="0"/>
+          <a:chExt cx="0" cy="0"/>
+        </a:xfrm>
+      </p:grpSpPr>
+      <p:sp>
+        <p:nvSpPr>
+          <p:cNvPr id="2" name="Title 1">
+            <a:extLst>
+              <a:ext uri="{FF2B5EF4-FFF2-40B4-BE49-F238E27FC236}">
+                <a16:creationId xmlns:a16="http://schemas.microsoft.com/office/drawing/2014/main" id="{1FA5D142-60A1-48CF-BE17-0E3125420571}"/>
+              </a:ext>
+            </a:extLst>
+          </p:cNvPr>
+          <p:cNvSpPr>
+            <a:spLocks noGrp="1"/>
+          </p:cNvSpPr>
+          <p:nvPr>
+            <p:ph type="title"/>
+          </p:nvPr>
+        </p:nvSpPr>
+        <p:spPr>
+          <a:xfrm>
+            <a:off x="0" y="0"/>
+            <a:ext cx="9692640" cy="754144"/>
+          </a:xfrm>
+          <a:solidFill>
+            <a:schemeClr val="tx1"/>
+          </a:solidFill>
+        </p:spPr>
+        <p:txBody>
+          <a:bodyPr/>
+          <a:lstStyle/>
+          <a:p>
+            <a:r>
+              <a:rPr lang="en-US" dirty="0">
+                <a:solidFill>
+                  <a:schemeClr val="bg1"/>
+                </a:solidFill>
+              </a:rPr>
+              <a:t>Some title</a:t>
+            </a:r>
+          </a:p>
+        </p:txBody>
+      </p:sp>
+      <p:sp>
+        <p:nvSpPr>
+          <p:cNvPr id="3" name="TextBox 2">
+            <a:extLst>
+              <a:ext uri="{FF2B5EF4-FFF2-40B4-BE49-F238E27FC236}">
+                <a16:creationId xmlns:a16="http://schemas.microsoft.com/office/drawing/2014/main" id="{C3B6B0A6-9808-4022-8093-6D1F809D27AE}"/>
+              </a:ext>
+            </a:extLst>
+          </p:cNvPr>
+          <p:cNvSpPr txBox="1"/>
+          <p:nvPr/>
+        </p:nvSpPr>
+        <p:spPr>
+          <a:xfrm>
+            <a:off x="207390" y="1005791"/>
+            <a:ext cx="9577633" cy="646331"/>
+          </a:xfrm>
+          <a:prstGeom prst="rect">
+            <a:avLst/>
+          </a:prstGeom>
+          <a:noFill/>
+        </p:spPr>
+        <p:txBody>
+          <a:bodyPr wrap="square" rtlCol="0">
+            <a:spAutoFit/>
+          </a:bodyPr>
+          <a:lstStyle/>
+          <a:p>
+            <a:r>
+              <a:rPr lang="en-CA" dirty="0"/>
+              <a:t>slides for Jasmine’s median income stuff</a:t>
+            </a:r>
+          </a:p>
+          <a:p>
+            <a:endParaRPr lang="en-CA" dirty="0"/>
+          </a:p>
+        </p:txBody>
+      </p:sp>
+      <p:pic>
+        <p:nvPicPr>
+          <p:cNvPr id="5" name="Picture 4">
+            <a:extLst>
+              <a:ext uri="{FF2B5EF4-FFF2-40B4-BE49-F238E27FC236}">
+                <a16:creationId xmlns:a16="http://schemas.microsoft.com/office/drawing/2014/main" id="{32C0B2F5-14C4-481C-B3EC-EB54E1966B80}"/>
+              </a:ext>
+            </a:extLst>
+          </p:cNvPr>
+          <p:cNvPicPr>
+            <a:picLocks noChangeAspect="1"/>
+          </p:cNvPicPr>
+          <p:nvPr/>
+        </p:nvPicPr>
+        <p:blipFill>
+          <a:blip r:embed="rId2"/>
+          <a:stretch>
+            <a:fillRect/>
+          </a:stretch>
+        </p:blipFill>
+        <p:spPr>
+          <a:xfrm>
+            <a:off x="5719431" y="6124922"/>
+            <a:ext cx="613109" cy="327695"/>
+          </a:xfrm>
+          <a:prstGeom prst="rect">
+            <a:avLst/>
+          </a:prstGeom>
+        </p:spPr>
+      </p:pic>
+    </p:spTree>
+    <p:extLst>
+      <p:ext uri="{BB962C8B-B14F-4D97-AF65-F5344CB8AC3E}">
+        <p14:creationId xmlns:p14="http://schemas.microsoft.com/office/powerpoint/2010/main" val="627881596"/>
+      </p:ext>
+    </p:extLst>
+  </p:cSld>
+  <p:clrMapOvr>
+    <a:masterClrMapping/>
+  </p:clrMapOvr>
+</p:sld>
+</file>
+
+<file path=ppt/slides/slide13.xml><?xml version="1.0" encoding="utf-8"?>
 <p:sld xmlns:a="http://schemas.openxmlformats.org/drawingml/2006/main" xmlns:r="http://schemas.openxmlformats.org/officeDocument/2006/relationships" xmlns:p="http://schemas.openxmlformats.org/presentationml/2006/main">
   <p:cSld>
     <p:spTree>
@@ -4267,7 +4885,7 @@
 </p:sld>
 </file>
 
-<file path=ppt/slides/slide11.xml><?xml version="1.0" encoding="utf-8"?>
+<file path=ppt/slides/slide14.xml><?xml version="1.0" encoding="utf-8"?>
 <p:sld xmlns:a="http://schemas.openxmlformats.org/drawingml/2006/main" xmlns:r="http://schemas.openxmlformats.org/officeDocument/2006/relationships" xmlns:p="http://schemas.openxmlformats.org/presentationml/2006/main">
   <p:cSld>
     <p:spTree>
@@ -4456,7 +5074,7 @@
 </p:sld>
 </file>
 
-<file path=ppt/slides/slide12.xml><?xml version="1.0" encoding="utf-8"?>
+<file path=ppt/slides/slide15.xml><?xml version="1.0" encoding="utf-8"?>
 <p:sld xmlns:a="http://schemas.openxmlformats.org/drawingml/2006/main" xmlns:r="http://schemas.openxmlformats.org/officeDocument/2006/relationships" xmlns:p="http://schemas.openxmlformats.org/presentationml/2006/main">
   <p:cSld>
     <p:spTree>
@@ -5506,7 +6124,7 @@
             </a:pPr>
             <a:r>
               <a:rPr lang="en-CA" sz="1600" dirty="0"/>
-              <a:t>Costal counties Brunswick and Pender are leading growth on a % basis..</a:t>
+              <a:t>Costal counties Brunswick and Pender are leading growth on a % basis.</a:t>
             </a:r>
           </a:p>
           <a:p>
@@ -5857,55 +6475,17 @@
                   <a:schemeClr val="bg1"/>
                 </a:solidFill>
               </a:rPr>
-              <a:t>Some title</a:t>
-            </a:r>
-          </a:p>
-        </p:txBody>
-      </p:sp>
-      <p:sp>
-        <p:nvSpPr>
-          <p:cNvPr id="3" name="TextBox 2">
+              <a:t>Voting in North Carolina</a:t>
+            </a:r>
+          </a:p>
+        </p:txBody>
+      </p:sp>
+      <p:pic>
+        <p:nvPicPr>
+          <p:cNvPr id="6" name="Picture 5" descr="A screenshot of a cell phone&#10;&#10;Description automatically generated">
             <a:extLst>
               <a:ext uri="{FF2B5EF4-FFF2-40B4-BE49-F238E27FC236}">
-                <a16:creationId xmlns:a16="http://schemas.microsoft.com/office/drawing/2014/main" id="{C3B6B0A6-9808-4022-8093-6D1F809D27AE}"/>
-              </a:ext>
-            </a:extLst>
-          </p:cNvPr>
-          <p:cNvSpPr txBox="1"/>
-          <p:nvPr/>
-        </p:nvSpPr>
-        <p:spPr>
-          <a:xfrm>
-            <a:off x="207390" y="1005791"/>
-            <a:ext cx="9577633" cy="646331"/>
-          </a:xfrm>
-          <a:prstGeom prst="rect">
-            <a:avLst/>
-          </a:prstGeom>
-          <a:noFill/>
-        </p:spPr>
-        <p:txBody>
-          <a:bodyPr wrap="square" rtlCol="0">
-            <a:spAutoFit/>
-          </a:bodyPr>
-          <a:lstStyle/>
-          <a:p>
-            <a:r>
-              <a:rPr lang="en-CA" dirty="0"/>
-              <a:t>slides for Alex’s political stuff</a:t>
-            </a:r>
-          </a:p>
-          <a:p>
-            <a:endParaRPr lang="en-CA" dirty="0"/>
-          </a:p>
-        </p:txBody>
-      </p:sp>
-      <p:pic>
-        <p:nvPicPr>
-          <p:cNvPr id="5" name="Picture 4">
-            <a:extLst>
-              <a:ext uri="{FF2B5EF4-FFF2-40B4-BE49-F238E27FC236}">
-                <a16:creationId xmlns:a16="http://schemas.microsoft.com/office/drawing/2014/main" id="{32C0B2F5-14C4-481C-B3EC-EB54E1966B80}"/>
+                <a16:creationId xmlns:a16="http://schemas.microsoft.com/office/drawing/2014/main" id="{CE28559E-0113-124B-A285-2DD127402A58}"/>
               </a:ext>
             </a:extLst>
           </p:cNvPr>
@@ -5915,21 +6495,151 @@
           <p:nvPr/>
         </p:nvPicPr>
         <p:blipFill>
-          <a:blip r:embed="rId2"/>
+          <a:blip r:embed="rId2">
+            <a:extLst>
+              <a:ext uri="{28A0092B-C50C-407E-A947-70E740481C1C}">
+                <a14:useLocalDpi xmlns:a14="http://schemas.microsoft.com/office/drawing/2010/main" val="0"/>
+              </a:ext>
+            </a:extLst>
+          </a:blip>
           <a:stretch>
             <a:fillRect/>
           </a:stretch>
         </p:blipFill>
         <p:spPr>
           <a:xfrm>
-            <a:off x="5719431" y="6124922"/>
-            <a:ext cx="613109" cy="327695"/>
+            <a:off x="207390" y="1328956"/>
+            <a:ext cx="6443781" cy="4669971"/>
           </a:xfrm>
           <a:prstGeom prst="rect">
             <a:avLst/>
           </a:prstGeom>
         </p:spPr>
       </p:pic>
+      <p:sp>
+        <p:nvSpPr>
+          <p:cNvPr id="8" name="TextBox 7">
+            <a:extLst>
+              <a:ext uri="{FF2B5EF4-FFF2-40B4-BE49-F238E27FC236}">
+                <a16:creationId xmlns:a16="http://schemas.microsoft.com/office/drawing/2014/main" id="{9A9B0A21-ACE1-7547-BAF9-B81794D27FE2}"/>
+              </a:ext>
+            </a:extLst>
+          </p:cNvPr>
+          <p:cNvSpPr txBox="1"/>
+          <p:nvPr/>
+        </p:nvSpPr>
+        <p:spPr>
+          <a:xfrm>
+            <a:off x="6651171" y="859073"/>
+            <a:ext cx="3918858" cy="5786199"/>
+          </a:xfrm>
+          <a:prstGeom prst="rect">
+            <a:avLst/>
+          </a:prstGeom>
+          <a:noFill/>
+        </p:spPr>
+        <p:txBody>
+          <a:bodyPr wrap="square" rtlCol="0">
+            <a:spAutoFit/>
+          </a:bodyPr>
+          <a:lstStyle/>
+          <a:p>
+            <a:r>
+              <a:rPr lang="en-CA" sz="1600" dirty="0"/>
+              <a:t>Data Source: North Carolina State Board of Elections </a:t>
+            </a:r>
+          </a:p>
+          <a:p>
+            <a:endParaRPr lang="en-CA" sz="1600" dirty="0"/>
+          </a:p>
+          <a:p>
+            <a:r>
+              <a:rPr lang="en-CA" sz="1600" dirty="0"/>
+              <a:t>Goal: Explore voting trends in North Carolina between the 2012 and 2016 Presidential Elections </a:t>
+            </a:r>
+          </a:p>
+          <a:p>
+            <a:endParaRPr lang="en-CA" sz="1600" dirty="0"/>
+          </a:p>
+          <a:p>
+            <a:r>
+              <a:rPr lang="en-CA" sz="1600" dirty="0"/>
+              <a:t>Approach: </a:t>
+            </a:r>
+          </a:p>
+          <a:p>
+            <a:r>
+              <a:rPr lang="en-CA" sz="1600" dirty="0"/>
+              <a:t>1. Downloaded two CSV files from NCSBE website</a:t>
+            </a:r>
+          </a:p>
+          <a:p>
+            <a:r>
+              <a:rPr lang="en-CA" sz="1600" dirty="0"/>
+              <a:t>2. Read CSV via Pandas</a:t>
+            </a:r>
+          </a:p>
+          <a:p>
+            <a:r>
+              <a:rPr lang="en-CA" sz="1600" dirty="0"/>
+              <a:t>3. Isolated Presidential Elections and developed a </a:t>
+            </a:r>
+            <a:r>
+              <a:rPr lang="en-CA" sz="1600" dirty="0" err="1"/>
+              <a:t>dataframe</a:t>
+            </a:r>
+            <a:r>
+              <a:rPr lang="en-CA" sz="1600" dirty="0"/>
+              <a:t> based off county and party </a:t>
+            </a:r>
+          </a:p>
+          <a:p>
+            <a:endParaRPr lang="en-CA" sz="1600" dirty="0"/>
+          </a:p>
+          <a:p>
+            <a:r>
+              <a:rPr lang="en-CA" sz="1600" dirty="0"/>
+              <a:t>Total Population 2012: 9,749,123</a:t>
+            </a:r>
+          </a:p>
+          <a:p>
+            <a:r>
+              <a:rPr lang="en-CA" sz="1600" dirty="0"/>
+              <a:t>Total Votes 2012: 4,493,301</a:t>
+            </a:r>
+          </a:p>
+          <a:p>
+            <a:r>
+              <a:rPr lang="en-CA" sz="1600" dirty="0"/>
+              <a:t>Percentage: 46.08%</a:t>
+            </a:r>
+          </a:p>
+          <a:p>
+            <a:endParaRPr lang="en-CA" sz="1600" dirty="0"/>
+          </a:p>
+          <a:p>
+            <a:r>
+              <a:rPr lang="en-CA" sz="1600" dirty="0"/>
+              <a:t>Total Population 2016: 10,156,679</a:t>
+            </a:r>
+          </a:p>
+          <a:p>
+            <a:r>
+              <a:rPr lang="en-CA" sz="1600" dirty="0"/>
+              <a:t>Total Votes 2012: 4,682,073</a:t>
+            </a:r>
+          </a:p>
+          <a:p>
+            <a:r>
+              <a:rPr lang="en-CA" sz="1600" dirty="0"/>
+              <a:t>Percentage: 46.09%</a:t>
+            </a:r>
+          </a:p>
+          <a:p>
+            <a:endParaRPr lang="en-US" dirty="0"/>
+          </a:p>
+        </p:txBody>
+      </p:sp>
     </p:spTree>
     <p:extLst>
       <p:ext uri="{BB962C8B-B14F-4D97-AF65-F5344CB8AC3E}">
@@ -5995,17 +6705,17 @@
                   <a:schemeClr val="bg1"/>
                 </a:solidFill>
               </a:rPr>
-              <a:t>Some title</a:t>
-            </a:r>
-          </a:p>
-        </p:txBody>
-      </p:sp>
-      <p:sp>
-        <p:nvSpPr>
-          <p:cNvPr id="3" name="TextBox 2">
+              <a:t>Voting in North Carolina</a:t>
+            </a:r>
+          </a:p>
+        </p:txBody>
+      </p:sp>
+      <p:sp>
+        <p:nvSpPr>
+          <p:cNvPr id="8" name="TextBox 7">
             <a:extLst>
               <a:ext uri="{FF2B5EF4-FFF2-40B4-BE49-F238E27FC236}">
-                <a16:creationId xmlns:a16="http://schemas.microsoft.com/office/drawing/2014/main" id="{C3B6B0A6-9808-4022-8093-6D1F809D27AE}"/>
+                <a16:creationId xmlns:a16="http://schemas.microsoft.com/office/drawing/2014/main" id="{9A9B0A21-ACE1-7547-BAF9-B81794D27FE2}"/>
               </a:ext>
             </a:extLst>
           </p:cNvPr>
@@ -6014,8 +6724,8 @@
         </p:nvSpPr>
         <p:spPr>
           <a:xfrm>
-            <a:off x="207390" y="1005791"/>
-            <a:ext cx="9577633" cy="646331"/>
+            <a:off x="6651171" y="859073"/>
+            <a:ext cx="3918858" cy="3693319"/>
           </a:xfrm>
           <a:prstGeom prst="rect">
             <a:avLst/>
@@ -6029,21 +6739,78 @@
           <a:lstStyle/>
           <a:p>
             <a:r>
-              <a:rPr lang="en-CA" dirty="0"/>
-              <a:t>slides for Jasmine’s median income stuff</a:t>
-            </a:r>
-          </a:p>
-          <a:p>
-            <a:endParaRPr lang="en-CA" dirty="0"/>
+              <a:rPr lang="en-US" dirty="0"/>
+              <a:t>Approach Cont.</a:t>
+            </a:r>
+          </a:p>
+          <a:p>
+            <a:r>
+              <a:rPr lang="en-US" dirty="0"/>
+              <a:t>4. Breakdown of Voting by Party in NC </a:t>
+            </a:r>
+          </a:p>
+          <a:p>
+            <a:endParaRPr lang="en-US" dirty="0"/>
+          </a:p>
+          <a:p>
+            <a:r>
+              <a:rPr lang="en-US" dirty="0"/>
+              <a:t>2012</a:t>
+            </a:r>
+          </a:p>
+          <a:p>
+            <a:r>
+              <a:rPr lang="en-US" dirty="0"/>
+              <a:t>Dem: 48.48%</a:t>
+            </a:r>
+          </a:p>
+          <a:p>
+            <a:r>
+              <a:rPr lang="en-US" dirty="0"/>
+              <a:t>Lib: 0.99%</a:t>
+            </a:r>
+          </a:p>
+          <a:p>
+            <a:r>
+              <a:rPr lang="en-US" dirty="0"/>
+              <a:t>Rep: 50.52%</a:t>
+            </a:r>
+          </a:p>
+          <a:p>
+            <a:endParaRPr lang="en-US" dirty="0"/>
+          </a:p>
+          <a:p>
+            <a:r>
+              <a:rPr lang="en-US" dirty="0"/>
+              <a:t>2016</a:t>
+            </a:r>
+          </a:p>
+          <a:p>
+            <a:r>
+              <a:rPr lang="en-US" dirty="0"/>
+              <a:t>Dem: 46.76%</a:t>
+            </a:r>
+          </a:p>
+          <a:p>
+            <a:r>
+              <a:rPr lang="en-US" dirty="0"/>
+              <a:t>Lib: 2.78%</a:t>
+            </a:r>
+          </a:p>
+          <a:p>
+            <a:r>
+              <a:rPr lang="en-US" dirty="0"/>
+              <a:t>Rep: 50.46%</a:t>
+            </a:r>
           </a:p>
         </p:txBody>
       </p:sp>
       <p:pic>
         <p:nvPicPr>
-          <p:cNvPr id="5" name="Picture 4">
+          <p:cNvPr id="4" name="Picture 3" descr="A screenshot of a cell phone&#10;&#10;Description automatically generated">
             <a:extLst>
               <a:ext uri="{FF2B5EF4-FFF2-40B4-BE49-F238E27FC236}">
-                <a16:creationId xmlns:a16="http://schemas.microsoft.com/office/drawing/2014/main" id="{32C0B2F5-14C4-481C-B3EC-EB54E1966B80}"/>
+                <a16:creationId xmlns:a16="http://schemas.microsoft.com/office/drawing/2014/main" id="{1BAF3A8D-BD2C-5044-AE69-27C13E3D0D90}"/>
               </a:ext>
             </a:extLst>
           </p:cNvPr>
@@ -6053,15 +6820,21 @@
           <p:nvPr/>
         </p:nvPicPr>
         <p:blipFill>
-          <a:blip r:embed="rId2"/>
+          <a:blip r:embed="rId2">
+            <a:extLst>
+              <a:ext uri="{28A0092B-C50C-407E-A947-70E740481C1C}">
+                <a14:useLocalDpi xmlns:a14="http://schemas.microsoft.com/office/drawing/2010/main" val="0"/>
+              </a:ext>
+            </a:extLst>
+          </a:blip>
           <a:stretch>
             <a:fillRect/>
           </a:stretch>
         </p:blipFill>
         <p:spPr>
           <a:xfrm>
-            <a:off x="5719431" y="6124922"/>
-            <a:ext cx="613109" cy="327695"/>
+            <a:off x="185057" y="859073"/>
+            <a:ext cx="6466114" cy="5029200"/>
           </a:xfrm>
           <a:prstGeom prst="rect">
             <a:avLst/>
@@ -6071,7 +6844,7 @@
     </p:spTree>
     <p:extLst>
       <p:ext uri="{BB962C8B-B14F-4D97-AF65-F5344CB8AC3E}">
-        <p14:creationId xmlns:p14="http://schemas.microsoft.com/office/powerpoint/2010/main" val="627881596"/>
+        <p14:creationId xmlns:p14="http://schemas.microsoft.com/office/powerpoint/2010/main" val="1067847449"/>
       </p:ext>
     </p:extLst>
   </p:cSld>

--- a/presentation/NC Growth.pptx
+++ b/presentation/NC Growth.pptx
@@ -5,7 +5,7 @@
     <p:sldMasterId id="2147483792" r:id="rId1"/>
   </p:sldMasterIdLst>
   <p:notesMasterIdLst>
-    <p:notesMasterId r:id="rId14"/>
+    <p:notesMasterId r:id="rId15"/>
   </p:notesMasterIdLst>
   <p:sldIdLst>
     <p:sldId id="256" r:id="rId2"/>
@@ -15,11 +15,12 @@
     <p:sldId id="273" r:id="rId6"/>
     <p:sldId id="275" r:id="rId7"/>
     <p:sldId id="277" r:id="rId8"/>
-    <p:sldId id="278" r:id="rId9"/>
-    <p:sldId id="279" r:id="rId10"/>
-    <p:sldId id="280" r:id="rId11"/>
-    <p:sldId id="281" r:id="rId12"/>
-    <p:sldId id="264" r:id="rId13"/>
+    <p:sldId id="282" r:id="rId9"/>
+    <p:sldId id="283" r:id="rId10"/>
+    <p:sldId id="284" r:id="rId11"/>
+    <p:sldId id="280" r:id="rId12"/>
+    <p:sldId id="281" r:id="rId13"/>
+    <p:sldId id="264" r:id="rId14"/>
   </p:sldIdLst>
   <p:sldSz cx="12192000" cy="6858000"/>
   <p:notesSz cx="6858000" cy="9144000"/>
@@ -208,7 +209,7 @@
           <a:p>
             <a:fld id="{CECC4D60-9EE3-42B2-99BE-2D796BAC39BF}" type="datetimeFigureOut">
               <a:rPr lang="en-US" smtClean="0"/>
-              <a:t>1/19/2020</a:t>
+              <a:t>1/21/2020</a:t>
             </a:fld>
             <a:endParaRPr lang="en-US"/>
           </a:p>
@@ -817,7 +818,7 @@
           <a:p>
             <a:fld id="{7736F1F6-4F4C-493F-8DC4-612848D97E6E}" type="datetimeFigureOut">
               <a:rPr lang="en-CA" smtClean="0"/>
-              <a:t>2020-01-19</a:t>
+              <a:t>2020-01-21</a:t>
             </a:fld>
             <a:endParaRPr lang="en-CA"/>
           </a:p>
@@ -1045,7 +1046,7 @@
           <a:p>
             <a:fld id="{7736F1F6-4F4C-493F-8DC4-612848D97E6E}" type="datetimeFigureOut">
               <a:rPr lang="en-CA" smtClean="0"/>
-              <a:t>2020-01-19</a:t>
+              <a:t>2020-01-21</a:t>
             </a:fld>
             <a:endParaRPr lang="en-CA"/>
           </a:p>
@@ -1225,7 +1226,7 @@
           <a:p>
             <a:fld id="{7736F1F6-4F4C-493F-8DC4-612848D97E6E}" type="datetimeFigureOut">
               <a:rPr lang="en-CA" smtClean="0"/>
-              <a:t>2020-01-19</a:t>
+              <a:t>2020-01-21</a:t>
             </a:fld>
             <a:endParaRPr lang="en-CA"/>
           </a:p>
@@ -1395,7 +1396,7 @@
           <a:p>
             <a:fld id="{7736F1F6-4F4C-493F-8DC4-612848D97E6E}" type="datetimeFigureOut">
               <a:rPr lang="en-CA" smtClean="0"/>
-              <a:t>2020-01-19</a:t>
+              <a:t>2020-01-21</a:t>
             </a:fld>
             <a:endParaRPr lang="en-CA"/>
           </a:p>
@@ -1649,7 +1650,7 @@
           <a:p>
             <a:fld id="{7736F1F6-4F4C-493F-8DC4-612848D97E6E}" type="datetimeFigureOut">
               <a:rPr lang="en-CA" smtClean="0"/>
-              <a:t>2020-01-19</a:t>
+              <a:t>2020-01-21</a:t>
             </a:fld>
             <a:endParaRPr lang="en-CA"/>
           </a:p>
@@ -1975,7 +1976,7 @@
           <a:p>
             <a:fld id="{7736F1F6-4F4C-493F-8DC4-612848D97E6E}" type="datetimeFigureOut">
               <a:rPr lang="en-CA" smtClean="0"/>
-              <a:t>2020-01-19</a:t>
+              <a:t>2020-01-21</a:t>
             </a:fld>
             <a:endParaRPr lang="en-CA"/>
           </a:p>
@@ -2426,7 +2427,7 @@
           <a:p>
             <a:fld id="{7736F1F6-4F4C-493F-8DC4-612848D97E6E}" type="datetimeFigureOut">
               <a:rPr lang="en-CA" smtClean="0"/>
-              <a:t>2020-01-19</a:t>
+              <a:t>2020-01-21</a:t>
             </a:fld>
             <a:endParaRPr lang="en-CA"/>
           </a:p>
@@ -2544,7 +2545,7 @@
           <a:p>
             <a:fld id="{7736F1F6-4F4C-493F-8DC4-612848D97E6E}" type="datetimeFigureOut">
               <a:rPr lang="en-CA" smtClean="0"/>
-              <a:t>2020-01-19</a:t>
+              <a:t>2020-01-21</a:t>
             </a:fld>
             <a:endParaRPr lang="en-CA"/>
           </a:p>
@@ -2639,7 +2640,7 @@
           <a:p>
             <a:fld id="{7736F1F6-4F4C-493F-8DC4-612848D97E6E}" type="datetimeFigureOut">
               <a:rPr lang="en-CA" smtClean="0"/>
-              <a:t>2020-01-19</a:t>
+              <a:t>2020-01-21</a:t>
             </a:fld>
             <a:endParaRPr lang="en-CA"/>
           </a:p>
@@ -2926,7 +2927,7 @@
           <a:p>
             <a:fld id="{7736F1F6-4F4C-493F-8DC4-612848D97E6E}" type="datetimeFigureOut">
               <a:rPr lang="en-CA" smtClean="0"/>
-              <a:t>2020-01-19</a:t>
+              <a:t>2020-01-21</a:t>
             </a:fld>
             <a:endParaRPr lang="en-CA"/>
           </a:p>
@@ -3248,7 +3249,7 @@
           <a:p>
             <a:fld id="{7736F1F6-4F4C-493F-8DC4-612848D97E6E}" type="datetimeFigureOut">
               <a:rPr lang="en-CA" smtClean="0"/>
-              <a:t>2020-01-19</a:t>
+              <a:t>2020-01-21</a:t>
             </a:fld>
             <a:endParaRPr lang="en-CA"/>
           </a:p>
@@ -3502,7 +3503,7 @@
           <a:p>
             <a:fld id="{7736F1F6-4F4C-493F-8DC4-612848D97E6E}" type="datetimeFigureOut">
               <a:rPr lang="en-CA" smtClean="0"/>
-              <a:t>2020-01-19</a:t>
+              <a:t>2020-01-21</a:t>
             </a:fld>
             <a:endParaRPr lang="en-CA"/>
           </a:p>
@@ -4064,6 +4065,125 @@
           <a:chExt cx="0" cy="0"/>
         </a:xfrm>
       </p:grpSpPr>
+      <p:pic>
+        <p:nvPicPr>
+          <p:cNvPr id="3" name="Picture 2">
+            <a:extLst>
+              <a:ext uri="{FF2B5EF4-FFF2-40B4-BE49-F238E27FC236}">
+                <a16:creationId xmlns:a16="http://schemas.microsoft.com/office/drawing/2014/main" id="{D717F88E-EA9A-7544-B761-E6758DD2E2C8}"/>
+              </a:ext>
+            </a:extLst>
+          </p:cNvPr>
+          <p:cNvPicPr>
+            <a:picLocks noChangeAspect="1"/>
+          </p:cNvPicPr>
+          <p:nvPr/>
+        </p:nvPicPr>
+        <p:blipFill rotWithShape="1">
+          <a:blip r:embed="rId2">
+            <a:extLst>
+              <a:ext uri="{28A0092B-C50C-407E-A947-70E740481C1C}">
+                <a14:useLocalDpi xmlns:a14="http://schemas.microsoft.com/office/drawing/2010/main" val="0"/>
+              </a:ext>
+            </a:extLst>
+          </a:blip>
+          <a:srcRect t="20513" b="81"/>
+          <a:stretch/>
+        </p:blipFill>
+        <p:spPr>
+          <a:xfrm>
+            <a:off x="20" y="159660"/>
+            <a:ext cx="11180044" cy="6376817"/>
+          </a:xfrm>
+          <a:prstGeom prst="rect">
+            <a:avLst/>
+          </a:prstGeom>
+        </p:spPr>
+      </p:pic>
+      <p:sp>
+        <p:nvSpPr>
+          <p:cNvPr id="4" name="TextBox 3">
+            <a:extLst>
+              <a:ext uri="{FF2B5EF4-FFF2-40B4-BE49-F238E27FC236}">
+                <a16:creationId xmlns:a16="http://schemas.microsoft.com/office/drawing/2014/main" id="{D1462D30-C200-274D-B0E3-D429E4566AA0}"/>
+              </a:ext>
+            </a:extLst>
+          </p:cNvPr>
+          <p:cNvSpPr txBox="1"/>
+          <p:nvPr/>
+        </p:nvSpPr>
+        <p:spPr>
+          <a:xfrm>
+            <a:off x="6425184" y="6059424"/>
+            <a:ext cx="4754880" cy="954107"/>
+          </a:xfrm>
+          <a:prstGeom prst="rect">
+            <a:avLst/>
+          </a:prstGeom>
+          <a:noFill/>
+        </p:spPr>
+        <p:txBody>
+          <a:bodyPr wrap="square" rtlCol="0">
+            <a:spAutoFit/>
+          </a:bodyPr>
+          <a:lstStyle/>
+          <a:p>
+            <a:r>
+              <a:rPr lang="en-US" sz="1400" dirty="0"/>
+              <a:t>Source code: </a:t>
+            </a:r>
+            <a:r>
+              <a:rPr lang="en-US" sz="1400" dirty="0">
+                <a:hlinkClick r:id="rId3"/>
+              </a:rPr>
+              <a:t>https://github.com/jasgarcia/NCGrowth/blob/master/</a:t>
+            </a:r>
+            <a:r>
+              <a:rPr lang="en-US" sz="1400" dirty="0">
+                <a:hlinkClick r:id="rId4" tooltip="College_level.ipynb"/>
+              </a:rPr>
+              <a:t>College_level.ipynb</a:t>
+            </a:r>
+            <a:endParaRPr lang="en-CA" sz="1400" dirty="0"/>
+          </a:p>
+          <a:p>
+            <a:r>
+              <a:rPr lang="en-US" sz="1400" dirty="0"/>
+              <a:t> </a:t>
+            </a:r>
+          </a:p>
+        </p:txBody>
+      </p:sp>
+    </p:spTree>
+    <p:extLst>
+      <p:ext uri="{BB962C8B-B14F-4D97-AF65-F5344CB8AC3E}">
+        <p14:creationId xmlns:p14="http://schemas.microsoft.com/office/powerpoint/2010/main" val="3996987289"/>
+      </p:ext>
+    </p:extLst>
+  </p:cSld>
+  <p:clrMapOvr>
+    <a:masterClrMapping/>
+  </p:clrMapOvr>
+</p:sld>
+</file>
+
+<file path=ppt/slides/slide11.xml><?xml version="1.0" encoding="utf-8"?>
+<p:sld xmlns:a="http://schemas.openxmlformats.org/drawingml/2006/main" xmlns:r="http://schemas.openxmlformats.org/officeDocument/2006/relationships" xmlns:p="http://schemas.openxmlformats.org/presentationml/2006/main">
+  <p:cSld>
+    <p:spTree>
+      <p:nvGrpSpPr>
+        <p:cNvPr id="1" name=""/>
+        <p:cNvGrpSpPr/>
+        <p:nvPr/>
+      </p:nvGrpSpPr>
+      <p:grpSpPr>
+        <a:xfrm>
+          <a:off x="0" y="0"/>
+          <a:ext cx="0" cy="0"/>
+          <a:chOff x="0" y="0"/>
+          <a:chExt cx="0" cy="0"/>
+        </a:xfrm>
+      </p:grpSpPr>
       <p:sp>
         <p:nvSpPr>
           <p:cNvPr id="2" name="Title 1">
@@ -4267,7 +4387,7 @@
 </p:sld>
 </file>
 
-<file path=ppt/slides/slide11.xml><?xml version="1.0" encoding="utf-8"?>
+<file path=ppt/slides/slide12.xml><?xml version="1.0" encoding="utf-8"?>
 <p:sld xmlns:a="http://schemas.openxmlformats.org/drawingml/2006/main" xmlns:r="http://schemas.openxmlformats.org/officeDocument/2006/relationships" xmlns:p="http://schemas.openxmlformats.org/presentationml/2006/main">
   <p:cSld>
     <p:spTree>
@@ -4341,7 +4461,7 @@
         <p:spPr>
           <a:xfrm>
             <a:off x="358219" y="1231705"/>
-            <a:ext cx="10925667" cy="3877985"/>
+            <a:ext cx="10925667" cy="4124206"/>
           </a:xfrm>
           <a:prstGeom prst="rect">
             <a:avLst/>
@@ -4379,15 +4499,7 @@
             </a:pPr>
             <a:r>
               <a:rPr lang="en-CA" sz="1600" dirty="0"/>
-              <a:t>There are indicators that the profile of these areas are becoming more affluent. Changes in </a:t>
-            </a:r>
-            <a:r>
-              <a:rPr lang="en-CA" sz="1600"/>
-              <a:t>political make up </a:t>
-            </a:r>
-            <a:r>
-              <a:rPr lang="en-CA" sz="1600" dirty="0"/>
-              <a:t>could have national implications.</a:t>
+              <a:t>There are indicators that the profile of these areas are becoming more affluent. Changes in political make up could have national implications.</a:t>
             </a:r>
           </a:p>
           <a:p>
@@ -4439,6 +4551,16 @@
             <a:r>
               <a:rPr lang="en-CA" sz="1600" dirty="0"/>
               <a:t>How do the values measured for these counties compare to state and national trends?</a:t>
+            </a:r>
+          </a:p>
+          <a:p>
+            <a:pPr marL="800100" lvl="1" indent="-342900">
+              <a:buFont typeface="Arial" panose="020B0604020202020204" pitchFamily="34" charset="0"/>
+              <a:buChar char="•"/>
+            </a:pPr>
+            <a:r>
+              <a:rPr lang="en-CA" sz="1600" dirty="0"/>
+              <a:t>Drill down to specific municipal areas in quantified high growth counties for impact studies.</a:t>
             </a:r>
           </a:p>
         </p:txBody>
@@ -4456,7 +4578,7 @@
 </p:sld>
 </file>
 
-<file path=ppt/slides/slide12.xml><?xml version="1.0" encoding="utf-8"?>
+<file path=ppt/slides/slide13.xml><?xml version="1.0" encoding="utf-8"?>
 <p:sld xmlns:a="http://schemas.openxmlformats.org/drawingml/2006/main" xmlns:r="http://schemas.openxmlformats.org/officeDocument/2006/relationships" xmlns:p="http://schemas.openxmlformats.org/presentationml/2006/main">
   <p:cSld>
     <p:spTree>
@@ -5551,40 +5673,12 @@
           <a:chExt cx="0" cy="0"/>
         </a:xfrm>
       </p:grpSpPr>
-      <p:sp>
-        <p:nvSpPr>
-          <p:cNvPr id="2" name="Title 1">
+      <p:pic>
+        <p:nvPicPr>
+          <p:cNvPr id="3" name="Picture 2">
             <a:extLst>
               <a:ext uri="{FF2B5EF4-FFF2-40B4-BE49-F238E27FC236}">
-                <a16:creationId xmlns:a16="http://schemas.microsoft.com/office/drawing/2014/main" id="{90877CB3-B86C-424D-BAE2-D7624C662875}"/>
-              </a:ext>
-            </a:extLst>
-          </p:cNvPr>
-          <p:cNvSpPr>
-            <a:spLocks noGrp="1"/>
-          </p:cNvSpPr>
-          <p:nvPr>
-            <p:ph type="title"/>
-          </p:nvPr>
-        </p:nvSpPr>
-        <p:spPr/>
-        <p:txBody>
-          <a:bodyPr/>
-          <a:lstStyle/>
-          <a:p>
-            <a:r>
-              <a:rPr lang="en-US" dirty="0"/>
-              <a:t>Part 2– High Growth County Profile Trends</a:t>
-            </a:r>
-          </a:p>
-        </p:txBody>
-      </p:sp>
-      <p:pic>
-        <p:nvPicPr>
-          <p:cNvPr id="9" name="Picture 8">
-            <a:extLst>
-              <a:ext uri="{FF2B5EF4-FFF2-40B4-BE49-F238E27FC236}">
-                <a16:creationId xmlns:a16="http://schemas.microsoft.com/office/drawing/2014/main" id="{8ED4EF22-C970-4772-A3C4-00F0A98F9032}"/>
+                <a16:creationId xmlns:a16="http://schemas.microsoft.com/office/drawing/2014/main" id="{66972B55-20CE-4F26-99D4-C7430EB4CB89}"/>
               </a:ext>
             </a:extLst>
           </p:cNvPr>
@@ -5601,7 +5695,65 @@
         </p:blipFill>
         <p:spPr>
           <a:xfrm>
-            <a:off x="1349542" y="2121517"/>
+            <a:off x="4591375" y="2332510"/>
+            <a:ext cx="1416398" cy="1271125"/>
+          </a:xfrm>
+          <a:prstGeom prst="rect">
+            <a:avLst/>
+          </a:prstGeom>
+        </p:spPr>
+      </p:pic>
+      <p:sp>
+        <p:nvSpPr>
+          <p:cNvPr id="2" name="Title 1">
+            <a:extLst>
+              <a:ext uri="{FF2B5EF4-FFF2-40B4-BE49-F238E27FC236}">
+                <a16:creationId xmlns:a16="http://schemas.microsoft.com/office/drawing/2014/main" id="{90877CB3-B86C-424D-BAE2-D7624C662875}"/>
+              </a:ext>
+            </a:extLst>
+          </p:cNvPr>
+          <p:cNvSpPr>
+            <a:spLocks noGrp="1"/>
+          </p:cNvSpPr>
+          <p:nvPr>
+            <p:ph type="title"/>
+          </p:nvPr>
+        </p:nvSpPr>
+        <p:spPr/>
+        <p:txBody>
+          <a:bodyPr/>
+          <a:lstStyle/>
+          <a:p>
+            <a:r>
+              <a:rPr lang="en-US" dirty="0"/>
+              <a:t>Part 2– High Growth County Profile Trends</a:t>
+            </a:r>
+          </a:p>
+        </p:txBody>
+      </p:sp>
+      <p:pic>
+        <p:nvPicPr>
+          <p:cNvPr id="9" name="Picture 8">
+            <a:extLst>
+              <a:ext uri="{FF2B5EF4-FFF2-40B4-BE49-F238E27FC236}">
+                <a16:creationId xmlns:a16="http://schemas.microsoft.com/office/drawing/2014/main" id="{8ED4EF22-C970-4772-A3C4-00F0A98F9032}"/>
+              </a:ext>
+            </a:extLst>
+          </p:cNvPr>
+          <p:cNvPicPr>
+            <a:picLocks noChangeAspect="1"/>
+          </p:cNvPicPr>
+          <p:nvPr/>
+        </p:nvPicPr>
+        <p:blipFill>
+          <a:blip r:embed="rId4"/>
+          <a:stretch>
+            <a:fillRect/>
+          </a:stretch>
+        </p:blipFill>
+        <p:spPr>
+          <a:xfrm>
+            <a:off x="7022435" y="2132132"/>
             <a:ext cx="1463044" cy="1422961"/>
           </a:xfrm>
           <a:prstGeom prst="rect">
@@ -5624,14 +5776,14 @@
           <p:nvPr/>
         </p:nvPicPr>
         <p:blipFill>
-          <a:blip r:embed="rId4"/>
+          <a:blip r:embed="rId5"/>
           <a:stretch>
             <a:fillRect/>
           </a:stretch>
         </p:blipFill>
         <p:spPr>
           <a:xfrm>
-            <a:off x="4556470" y="1854206"/>
+            <a:off x="1627680" y="1864821"/>
             <a:ext cx="1690272" cy="1690272"/>
           </a:xfrm>
           <a:prstGeom prst="rect">
@@ -5653,7 +5805,7 @@
         </p:nvSpPr>
         <p:spPr>
           <a:xfrm>
-            <a:off x="1189998" y="3544478"/>
+            <a:off x="6862892" y="3421929"/>
             <a:ext cx="1782131" cy="369332"/>
           </a:xfrm>
           <a:prstGeom prst="rect">
@@ -5694,7 +5846,7 @@
         </p:nvSpPr>
         <p:spPr>
           <a:xfrm>
-            <a:off x="4640812" y="3508457"/>
+            <a:off x="1765033" y="3421929"/>
             <a:ext cx="1463044" cy="369332"/>
           </a:xfrm>
           <a:prstGeom prst="rect">
@@ -5735,7 +5887,7 @@
         </p:nvSpPr>
         <p:spPr>
           <a:xfrm>
-            <a:off x="7433440" y="3492976"/>
+            <a:off x="4326916" y="3421929"/>
             <a:ext cx="2153619" cy="369332"/>
           </a:xfrm>
           <a:prstGeom prst="rect">
@@ -5762,36 +5914,6 @@
           </a:p>
         </p:txBody>
       </p:sp>
-      <p:pic>
-        <p:nvPicPr>
-          <p:cNvPr id="3" name="Picture 2">
-            <a:extLst>
-              <a:ext uri="{FF2B5EF4-FFF2-40B4-BE49-F238E27FC236}">
-                <a16:creationId xmlns:a16="http://schemas.microsoft.com/office/drawing/2014/main" id="{66972B55-20CE-4F26-99D4-C7430EB4CB89}"/>
-              </a:ext>
-            </a:extLst>
-          </p:cNvPr>
-          <p:cNvPicPr>
-            <a:picLocks noChangeAspect="1"/>
-          </p:cNvPicPr>
-          <p:nvPr/>
-        </p:nvPicPr>
-        <p:blipFill>
-          <a:blip r:embed="rId5"/>
-          <a:stretch>
-            <a:fillRect/>
-          </a:stretch>
-        </p:blipFill>
-        <p:spPr>
-          <a:xfrm>
-            <a:off x="7772539" y="2273353"/>
-            <a:ext cx="1416398" cy="1271125"/>
-          </a:xfrm>
-          <a:prstGeom prst="rect">
-            <a:avLst/>
-          </a:prstGeom>
-        </p:spPr>
-      </p:pic>
     </p:spTree>
     <p:extLst>
       <p:ext uri="{BB962C8B-B14F-4D97-AF65-F5344CB8AC3E}">
@@ -5848,7 +5970,9 @@
           </a:solidFill>
         </p:spPr>
         <p:txBody>
-          <a:bodyPr/>
+          <a:bodyPr>
+            <a:normAutofit fontScale="90000"/>
+          </a:bodyPr>
           <a:lstStyle/>
           <a:p>
             <a:r>
@@ -5857,7 +5981,7 @@
                   <a:schemeClr val="bg1"/>
                 </a:solidFill>
               </a:rPr>
-              <a:t>Some title</a:t>
+              <a:t>Median Income in High Growth Counties </a:t>
             </a:r>
           </a:p>
         </p:txBody>
@@ -5876,8 +6000,8 @@
         </p:nvSpPr>
         <p:spPr>
           <a:xfrm>
-            <a:off x="207390" y="1005791"/>
-            <a:ext cx="9577633" cy="646331"/>
+            <a:off x="6998208" y="754144"/>
+            <a:ext cx="4255008" cy="5478423"/>
           </a:xfrm>
           <a:prstGeom prst="rect">
             <a:avLst/>
@@ -5891,21 +6015,113 @@
           <a:lstStyle/>
           <a:p>
             <a:r>
+              <a:rPr lang="en-CA" sz="2000" dirty="0"/>
+              <a:t>Goal:</a:t>
+            </a:r>
+          </a:p>
+          <a:p>
+            <a:r>
+              <a:rPr lang="en-CA" sz="2000" dirty="0"/>
+              <a:t> Evaluate change in median income per worker For high growth counties. </a:t>
+            </a:r>
+          </a:p>
+          <a:p>
+            <a:endParaRPr lang="en-CA" dirty="0"/>
+          </a:p>
+          <a:p>
+            <a:r>
               <a:rPr lang="en-CA" dirty="0"/>
-              <a:t>slides for Alex’s political stuff</a:t>
-            </a:r>
-          </a:p>
-          <a:p>
+              <a:t>Approach:</a:t>
+            </a:r>
+          </a:p>
+          <a:p>
+            <a:pPr marL="342900" indent="-342900">
+              <a:buAutoNum type="alphaLcPeriod"/>
+            </a:pPr>
+            <a:r>
+              <a:rPr lang="en-CA" dirty="0"/>
+              <a:t>Source CSV files from government site, filtered data.</a:t>
+            </a:r>
+          </a:p>
+          <a:p>
+            <a:pPr marL="342900" indent="-342900">
+              <a:buAutoNum type="alphaLcPeriod"/>
+            </a:pPr>
+            <a:r>
+              <a:rPr lang="en-CA" dirty="0"/>
+              <a:t>Created </a:t>
+            </a:r>
+            <a:r>
+              <a:rPr lang="en-CA" dirty="0" err="1"/>
+              <a:t>dataframe</a:t>
+            </a:r>
+            <a:r>
+              <a:rPr lang="en-CA" dirty="0"/>
+              <a:t> of median income by year for high growth counties</a:t>
+            </a:r>
+          </a:p>
+          <a:p>
+            <a:pPr marL="342900" indent="-342900">
+              <a:buAutoNum type="alphaLcPeriod"/>
+            </a:pPr>
+            <a:r>
+              <a:rPr lang="en-CA" dirty="0"/>
+              <a:t>Summarized data using .drop</a:t>
+            </a:r>
+          </a:p>
+          <a:p>
+            <a:pPr marL="342900" indent="-342900">
+              <a:buAutoNum type="alphaLcPeriod"/>
+            </a:pPr>
+            <a:r>
+              <a:rPr lang="en-CA" dirty="0"/>
+              <a:t>Used Matplotlib to create scatter plot to include y axis and color bar.</a:t>
+            </a:r>
+          </a:p>
+          <a:p>
+            <a:endParaRPr lang="en-CA" dirty="0"/>
+          </a:p>
+          <a:p>
+            <a:r>
+              <a:rPr lang="en-CA" dirty="0"/>
+              <a:t>Source Code:</a:t>
+            </a:r>
+          </a:p>
+          <a:p>
+            <a:r>
+              <a:rPr lang="en-US" dirty="0">
+                <a:hlinkClick r:id="rId2"/>
+              </a:rPr>
+              <a:t>https://github.com/jasgarcia/NCGrowth/blob/master/</a:t>
+            </a:r>
+            <a:r>
+              <a:rPr lang="en-US" dirty="0">
+                <a:hlinkClick r:id="rId3" tooltip="NC Growth Income.ipynb"/>
+              </a:rPr>
+              <a:t>NC Growth </a:t>
+            </a:r>
+            <a:r>
+              <a:rPr lang="en-US" dirty="0" err="1">
+                <a:hlinkClick r:id="rId3" tooltip="NC Growth Income.ipynb"/>
+              </a:rPr>
+              <a:t>Income</a:t>
+            </a:r>
+            <a:r>
+              <a:rPr lang="en-US" dirty="0" err="1">
+                <a:hlinkClick r:id="rId2"/>
+              </a:rPr>
+              <a:t>.ipynb</a:t>
+            </a:r>
             <a:endParaRPr lang="en-CA" dirty="0"/>
           </a:p>
         </p:txBody>
       </p:sp>
       <p:pic>
         <p:nvPicPr>
-          <p:cNvPr id="5" name="Picture 4">
+          <p:cNvPr id="6" name="Picture 5">
             <a:extLst>
               <a:ext uri="{FF2B5EF4-FFF2-40B4-BE49-F238E27FC236}">
-                <a16:creationId xmlns:a16="http://schemas.microsoft.com/office/drawing/2014/main" id="{32C0B2F5-14C4-481C-B3EC-EB54E1966B80}"/>
+                <a16:creationId xmlns:a16="http://schemas.microsoft.com/office/drawing/2014/main" id="{E6967D06-621B-C945-9BAD-D1C5626A2A0E}"/>
               </a:ext>
             </a:extLst>
           </p:cNvPr>
@@ -5915,15 +6131,21 @@
           <p:nvPr/>
         </p:nvPicPr>
         <p:blipFill>
-          <a:blip r:embed="rId2"/>
+          <a:blip r:embed="rId4">
+            <a:extLst>
+              <a:ext uri="{28A0092B-C50C-407E-A947-70E740481C1C}">
+                <a14:useLocalDpi xmlns:a14="http://schemas.microsoft.com/office/drawing/2010/main" val="0"/>
+              </a:ext>
+            </a:extLst>
+          </a:blip>
           <a:stretch>
             <a:fillRect/>
           </a:stretch>
         </p:blipFill>
         <p:spPr>
           <a:xfrm>
-            <a:off x="5719431" y="6124922"/>
-            <a:ext cx="613109" cy="327695"/>
+            <a:off x="0" y="836593"/>
+            <a:ext cx="6912864" cy="5576377"/>
           </a:xfrm>
           <a:prstGeom prst="rect">
             <a:avLst/>
@@ -5933,7 +6155,7 @@
     </p:spTree>
     <p:extLst>
       <p:ext uri="{BB962C8B-B14F-4D97-AF65-F5344CB8AC3E}">
-        <p14:creationId xmlns:p14="http://schemas.microsoft.com/office/powerpoint/2010/main" val="855045233"/>
+        <p14:creationId xmlns:p14="http://schemas.microsoft.com/office/powerpoint/2010/main" val="1189659314"/>
       </p:ext>
     </p:extLst>
   </p:cSld>
@@ -5986,7 +6208,9 @@
           </a:solidFill>
         </p:spPr>
         <p:txBody>
-          <a:bodyPr/>
+          <a:bodyPr>
+            <a:normAutofit/>
+          </a:bodyPr>
           <a:lstStyle/>
           <a:p>
             <a:r>
@@ -5995,7 +6219,7 @@
                   <a:schemeClr val="bg1"/>
                 </a:solidFill>
               </a:rPr>
-              <a:t>Some title</a:t>
+              <a:t>College Enrollment </a:t>
             </a:r>
           </a:p>
         </p:txBody>
@@ -6014,8 +6238,8 @@
         </p:nvSpPr>
         <p:spPr>
           <a:xfrm>
-            <a:off x="207390" y="1005791"/>
-            <a:ext cx="9577633" cy="646331"/>
+            <a:off x="6827520" y="754144"/>
+            <a:ext cx="4425696" cy="5262979"/>
           </a:xfrm>
           <a:prstGeom prst="rect">
             <a:avLst/>
@@ -6029,21 +6253,90 @@
           <a:lstStyle/>
           <a:p>
             <a:r>
+              <a:rPr lang="en-CA" sz="2000" dirty="0"/>
+              <a:t>Goal:</a:t>
+            </a:r>
+          </a:p>
+          <a:p>
+            <a:r>
+              <a:rPr lang="en-CA" sz="2000" dirty="0"/>
+              <a:t>Evaluate college enrollment in high growth counties to see if there is any potential correlation between rising median incomes and college enrollment.</a:t>
+            </a:r>
+          </a:p>
+          <a:p>
+            <a:endParaRPr lang="en-CA" dirty="0"/>
+          </a:p>
+          <a:p>
+            <a:r>
               <a:rPr lang="en-CA" dirty="0"/>
-              <a:t>slides for Jasmine’s median income stuff</a:t>
-            </a:r>
-          </a:p>
-          <a:p>
+              <a:t>Approach:</a:t>
+            </a:r>
+          </a:p>
+          <a:p>
+            <a:pPr marL="342900" indent="-342900">
+              <a:buAutoNum type="alphaLcPeriod"/>
+            </a:pPr>
+            <a:endParaRPr lang="en-CA" dirty="0"/>
+          </a:p>
+          <a:p>
+            <a:pPr marL="342900" indent="-342900">
+              <a:buAutoNum type="alphaLcPeriod"/>
+            </a:pPr>
+            <a:r>
+              <a:rPr lang="en-CA" dirty="0"/>
+              <a:t>Source college enrollment data from public websites to create CSV.</a:t>
+            </a:r>
+          </a:p>
+          <a:p>
+            <a:pPr marL="342900" indent="-342900">
+              <a:buAutoNum type="alphaLcPeriod"/>
+            </a:pPr>
+            <a:r>
+              <a:rPr lang="en-CA" dirty="0"/>
+              <a:t>Import CSV to data frame.</a:t>
+            </a:r>
+          </a:p>
+          <a:p>
+            <a:pPr marL="342900" indent="-342900">
+              <a:buAutoNum type="alphaLcPeriod"/>
+            </a:pPr>
+            <a:r>
+              <a:rPr lang="en-CA" dirty="0"/>
+              <a:t>Used Matplotlib to create bar chart  to include years 2012-2018.</a:t>
+            </a:r>
+          </a:p>
+          <a:p>
+            <a:endParaRPr lang="en-CA" dirty="0"/>
+          </a:p>
+          <a:p>
+            <a:r>
+              <a:rPr lang="en-CA" dirty="0"/>
+              <a:t>Source Code:</a:t>
+            </a:r>
+          </a:p>
+          <a:p>
+            <a:r>
+              <a:rPr lang="en-US" dirty="0">
+                <a:hlinkClick r:id="rId2"/>
+              </a:rPr>
+              <a:t>https://github.com/jasgarcia/NCGrowth/blob/master/</a:t>
+            </a:r>
+            <a:r>
+              <a:rPr lang="en-US" dirty="0">
+                <a:hlinkClick r:id="rId3" tooltip="College_level.ipynb"/>
+              </a:rPr>
+              <a:t>College_level.ipynb</a:t>
+            </a:r>
             <a:endParaRPr lang="en-CA" dirty="0"/>
           </a:p>
         </p:txBody>
       </p:sp>
       <p:pic>
         <p:nvPicPr>
-          <p:cNvPr id="5" name="Picture 4">
+          <p:cNvPr id="7" name="Picture 6">
             <a:extLst>
               <a:ext uri="{FF2B5EF4-FFF2-40B4-BE49-F238E27FC236}">
-                <a16:creationId xmlns:a16="http://schemas.microsoft.com/office/drawing/2014/main" id="{32C0B2F5-14C4-481C-B3EC-EB54E1966B80}"/>
+                <a16:creationId xmlns:a16="http://schemas.microsoft.com/office/drawing/2014/main" id="{A0B65CDE-2732-654B-B0C7-953022EE95E3}"/>
               </a:ext>
             </a:extLst>
           </p:cNvPr>
@@ -6053,15 +6346,21 @@
           <p:nvPr/>
         </p:nvPicPr>
         <p:blipFill>
-          <a:blip r:embed="rId2"/>
+          <a:blip r:embed="rId4">
+            <a:extLst>
+              <a:ext uri="{28A0092B-C50C-407E-A947-70E740481C1C}">
+                <a14:useLocalDpi xmlns:a14="http://schemas.microsoft.com/office/drawing/2010/main" val="0"/>
+              </a:ext>
+            </a:extLst>
+          </a:blip>
           <a:stretch>
             <a:fillRect/>
           </a:stretch>
         </p:blipFill>
         <p:spPr>
           <a:xfrm>
-            <a:off x="5719431" y="6124922"/>
-            <a:ext cx="613109" cy="327695"/>
+            <a:off x="6537" y="992869"/>
+            <a:ext cx="6919401" cy="4893328"/>
           </a:xfrm>
           <a:prstGeom prst="rect">
             <a:avLst/>
@@ -6071,7 +6370,7 @@
     </p:spTree>
     <p:extLst>
       <p:ext uri="{BB962C8B-B14F-4D97-AF65-F5344CB8AC3E}">
-        <p14:creationId xmlns:p14="http://schemas.microsoft.com/office/powerpoint/2010/main" val="627881596"/>
+        <p14:creationId xmlns:p14="http://schemas.microsoft.com/office/powerpoint/2010/main" val="1736391719"/>
       </p:ext>
     </p:extLst>
   </p:cSld>
